--- a/Lesson 2/Tandon Algo to Students_week4_Spring2018_out.pptx
+++ b/Lesson 2/Tandon Algo to Students_week4_Spring2018_out.pptx
@@ -190,10 +190,9 @@
           </a:lstStyle>
           <a:p>
             <a:r>
-              <a:rPr lang="en-US" smtClean="0"/>
+              <a:rPr lang="en-US"/>
               <a:t>Click to edit Master title style</a:t>
             </a:r>
-            <a:endParaRPr lang="en-US"/>
           </a:p>
         </p:txBody>
       </p:sp>
@@ -255,10 +254,9 @@
           </a:lstStyle>
           <a:p>
             <a:r>
-              <a:rPr lang="en-US" smtClean="0"/>
+              <a:rPr lang="en-US"/>
               <a:t>Click to edit Master subtitle style</a:t>
             </a:r>
-            <a:endParaRPr lang="en-US"/>
           </a:p>
         </p:txBody>
       </p:sp>
@@ -279,7 +277,7 @@
           <a:p>
             <a:fld id="{359231DE-FA8E-4A92-9319-EEF44612CF27}" type="datetimeFigureOut">
               <a:rPr lang="en-US" smtClean="0"/>
-              <a:t>4/11/2019</a:t>
+              <a:t>4/25/19</a:t>
             </a:fld>
             <a:endParaRPr lang="en-US"/>
           </a:p>
@@ -373,10 +371,9 @@
           <a:lstStyle/>
           <a:p>
             <a:r>
-              <a:rPr lang="en-US" smtClean="0"/>
+              <a:rPr lang="en-US"/>
               <a:t>Click to edit Master title style</a:t>
             </a:r>
-            <a:endParaRPr lang="en-US"/>
           </a:p>
         </p:txBody>
       </p:sp>
@@ -397,38 +394,37 @@
           <a:p>
             <a:pPr lvl="0"/>
             <a:r>
-              <a:rPr lang="en-US" smtClean="0"/>
+              <a:rPr lang="en-US"/>
               <a:t>Click to edit Master text styles</a:t>
             </a:r>
           </a:p>
           <a:p>
             <a:pPr lvl="1"/>
             <a:r>
-              <a:rPr lang="en-US" smtClean="0"/>
+              <a:rPr lang="en-US"/>
               <a:t>Second level</a:t>
             </a:r>
           </a:p>
           <a:p>
             <a:pPr lvl="2"/>
             <a:r>
-              <a:rPr lang="en-US" smtClean="0"/>
+              <a:rPr lang="en-US"/>
               <a:t>Third level</a:t>
             </a:r>
           </a:p>
           <a:p>
             <a:pPr lvl="3"/>
             <a:r>
-              <a:rPr lang="en-US" smtClean="0"/>
+              <a:rPr lang="en-US"/>
               <a:t>Fourth level</a:t>
             </a:r>
           </a:p>
           <a:p>
             <a:pPr lvl="4"/>
             <a:r>
-              <a:rPr lang="en-US" smtClean="0"/>
+              <a:rPr lang="en-US"/>
               <a:t>Fifth level</a:t>
             </a:r>
-            <a:endParaRPr lang="en-US"/>
           </a:p>
         </p:txBody>
       </p:sp>
@@ -449,7 +445,7 @@
           <a:p>
             <a:fld id="{359231DE-FA8E-4A92-9319-EEF44612CF27}" type="datetimeFigureOut">
               <a:rPr lang="en-US" smtClean="0"/>
-              <a:t>4/11/2019</a:t>
+              <a:t>4/25/19</a:t>
             </a:fld>
             <a:endParaRPr lang="en-US"/>
           </a:p>
@@ -548,10 +544,9 @@
           <a:lstStyle/>
           <a:p>
             <a:r>
-              <a:rPr lang="en-US" smtClean="0"/>
+              <a:rPr lang="en-US"/>
               <a:t>Click to edit Master title style</a:t>
             </a:r>
-            <a:endParaRPr lang="en-US"/>
           </a:p>
         </p:txBody>
       </p:sp>
@@ -577,38 +572,37 @@
           <a:p>
             <a:pPr lvl="0"/>
             <a:r>
-              <a:rPr lang="en-US" smtClean="0"/>
+              <a:rPr lang="en-US"/>
               <a:t>Click to edit Master text styles</a:t>
             </a:r>
           </a:p>
           <a:p>
             <a:pPr lvl="1"/>
             <a:r>
-              <a:rPr lang="en-US" smtClean="0"/>
+              <a:rPr lang="en-US"/>
               <a:t>Second level</a:t>
             </a:r>
           </a:p>
           <a:p>
             <a:pPr lvl="2"/>
             <a:r>
-              <a:rPr lang="en-US" smtClean="0"/>
+              <a:rPr lang="en-US"/>
               <a:t>Third level</a:t>
             </a:r>
           </a:p>
           <a:p>
             <a:pPr lvl="3"/>
             <a:r>
-              <a:rPr lang="en-US" smtClean="0"/>
+              <a:rPr lang="en-US"/>
               <a:t>Fourth level</a:t>
             </a:r>
           </a:p>
           <a:p>
             <a:pPr lvl="4"/>
             <a:r>
-              <a:rPr lang="en-US" smtClean="0"/>
+              <a:rPr lang="en-US"/>
               <a:t>Fifth level</a:t>
             </a:r>
-            <a:endParaRPr lang="en-US"/>
           </a:p>
         </p:txBody>
       </p:sp>
@@ -629,7 +623,7 @@
           <a:p>
             <a:fld id="{359231DE-FA8E-4A92-9319-EEF44612CF27}" type="datetimeFigureOut">
               <a:rPr lang="en-US" smtClean="0"/>
-              <a:t>4/11/2019</a:t>
+              <a:t>4/25/19</a:t>
             </a:fld>
             <a:endParaRPr lang="en-US"/>
           </a:p>
@@ -723,10 +717,9 @@
           <a:lstStyle/>
           <a:p>
             <a:r>
-              <a:rPr lang="en-US" smtClean="0"/>
+              <a:rPr lang="en-US"/>
               <a:t>Click to edit Master title style</a:t>
             </a:r>
-            <a:endParaRPr lang="en-US"/>
           </a:p>
         </p:txBody>
       </p:sp>
@@ -747,38 +740,37 @@
           <a:p>
             <a:pPr lvl="0"/>
             <a:r>
-              <a:rPr lang="en-US" smtClean="0"/>
+              <a:rPr lang="en-US"/>
               <a:t>Click to edit Master text styles</a:t>
             </a:r>
           </a:p>
           <a:p>
             <a:pPr lvl="1"/>
             <a:r>
-              <a:rPr lang="en-US" smtClean="0"/>
+              <a:rPr lang="en-US"/>
               <a:t>Second level</a:t>
             </a:r>
           </a:p>
           <a:p>
             <a:pPr lvl="2"/>
             <a:r>
-              <a:rPr lang="en-US" smtClean="0"/>
+              <a:rPr lang="en-US"/>
               <a:t>Third level</a:t>
             </a:r>
           </a:p>
           <a:p>
             <a:pPr lvl="3"/>
             <a:r>
-              <a:rPr lang="en-US" smtClean="0"/>
+              <a:rPr lang="en-US"/>
               <a:t>Fourth level</a:t>
             </a:r>
           </a:p>
           <a:p>
             <a:pPr lvl="4"/>
             <a:r>
-              <a:rPr lang="en-US" smtClean="0"/>
+              <a:rPr lang="en-US"/>
               <a:t>Fifth level</a:t>
             </a:r>
-            <a:endParaRPr lang="en-US"/>
           </a:p>
         </p:txBody>
       </p:sp>
@@ -799,7 +791,7 @@
           <a:p>
             <a:fld id="{359231DE-FA8E-4A92-9319-EEF44612CF27}" type="datetimeFigureOut">
               <a:rPr lang="en-US" smtClean="0"/>
-              <a:t>4/11/2019</a:t>
+              <a:t>4/25/19</a:t>
             </a:fld>
             <a:endParaRPr lang="en-US"/>
           </a:p>
@@ -902,10 +894,9 @@
           </a:lstStyle>
           <a:p>
             <a:r>
-              <a:rPr lang="en-US" smtClean="0"/>
+              <a:rPr lang="en-US"/>
               <a:t>Click to edit Master title style</a:t>
             </a:r>
-            <a:endParaRPr lang="en-US"/>
           </a:p>
         </p:txBody>
       </p:sp>
@@ -1022,7 +1013,7 @@
           <a:p>
             <a:pPr lvl="0"/>
             <a:r>
-              <a:rPr lang="en-US" smtClean="0"/>
+              <a:rPr lang="en-US"/>
               <a:t>Click to edit Master text styles</a:t>
             </a:r>
           </a:p>
@@ -1045,7 +1036,7 @@
           <a:p>
             <a:fld id="{359231DE-FA8E-4A92-9319-EEF44612CF27}" type="datetimeFigureOut">
               <a:rPr lang="en-US" smtClean="0"/>
-              <a:t>4/11/2019</a:t>
+              <a:t>4/25/19</a:t>
             </a:fld>
             <a:endParaRPr lang="en-US"/>
           </a:p>
@@ -1139,10 +1130,9 @@
           <a:lstStyle/>
           <a:p>
             <a:r>
-              <a:rPr lang="en-US" smtClean="0"/>
+              <a:rPr lang="en-US"/>
               <a:t>Click to edit Master title style</a:t>
             </a:r>
-            <a:endParaRPr lang="en-US"/>
           </a:p>
         </p:txBody>
       </p:sp>
@@ -1168,38 +1158,37 @@
           <a:p>
             <a:pPr lvl="0"/>
             <a:r>
-              <a:rPr lang="en-US" smtClean="0"/>
+              <a:rPr lang="en-US"/>
               <a:t>Click to edit Master text styles</a:t>
             </a:r>
           </a:p>
           <a:p>
             <a:pPr lvl="1"/>
             <a:r>
-              <a:rPr lang="en-US" smtClean="0"/>
+              <a:rPr lang="en-US"/>
               <a:t>Second level</a:t>
             </a:r>
           </a:p>
           <a:p>
             <a:pPr lvl="2"/>
             <a:r>
-              <a:rPr lang="en-US" smtClean="0"/>
+              <a:rPr lang="en-US"/>
               <a:t>Third level</a:t>
             </a:r>
           </a:p>
           <a:p>
             <a:pPr lvl="3"/>
             <a:r>
-              <a:rPr lang="en-US" smtClean="0"/>
+              <a:rPr lang="en-US"/>
               <a:t>Fourth level</a:t>
             </a:r>
           </a:p>
           <a:p>
             <a:pPr lvl="4"/>
             <a:r>
-              <a:rPr lang="en-US" smtClean="0"/>
+              <a:rPr lang="en-US"/>
               <a:t>Fifth level</a:t>
             </a:r>
-            <a:endParaRPr lang="en-US"/>
           </a:p>
         </p:txBody>
       </p:sp>
@@ -1225,38 +1214,37 @@
           <a:p>
             <a:pPr lvl="0"/>
             <a:r>
-              <a:rPr lang="en-US" smtClean="0"/>
+              <a:rPr lang="en-US"/>
               <a:t>Click to edit Master text styles</a:t>
             </a:r>
           </a:p>
           <a:p>
             <a:pPr lvl="1"/>
             <a:r>
-              <a:rPr lang="en-US" smtClean="0"/>
+              <a:rPr lang="en-US"/>
               <a:t>Second level</a:t>
             </a:r>
           </a:p>
           <a:p>
             <a:pPr lvl="2"/>
             <a:r>
-              <a:rPr lang="en-US" smtClean="0"/>
+              <a:rPr lang="en-US"/>
               <a:t>Third level</a:t>
             </a:r>
           </a:p>
           <a:p>
             <a:pPr lvl="3"/>
             <a:r>
-              <a:rPr lang="en-US" smtClean="0"/>
+              <a:rPr lang="en-US"/>
               <a:t>Fourth level</a:t>
             </a:r>
           </a:p>
           <a:p>
             <a:pPr lvl="4"/>
             <a:r>
-              <a:rPr lang="en-US" smtClean="0"/>
+              <a:rPr lang="en-US"/>
               <a:t>Fifth level</a:t>
             </a:r>
-            <a:endParaRPr lang="en-US"/>
           </a:p>
         </p:txBody>
       </p:sp>
@@ -1277,7 +1265,7 @@
           <a:p>
             <a:fld id="{359231DE-FA8E-4A92-9319-EEF44612CF27}" type="datetimeFigureOut">
               <a:rPr lang="en-US" smtClean="0"/>
-              <a:t>4/11/2019</a:t>
+              <a:t>4/25/19</a:t>
             </a:fld>
             <a:endParaRPr lang="en-US"/>
           </a:p>
@@ -1376,10 +1364,9 @@
           <a:lstStyle/>
           <a:p>
             <a:r>
-              <a:rPr lang="en-US" smtClean="0"/>
+              <a:rPr lang="en-US"/>
               <a:t>Click to edit Master title style</a:t>
             </a:r>
-            <a:endParaRPr lang="en-US"/>
           </a:p>
         </p:txBody>
       </p:sp>
@@ -1442,7 +1429,7 @@
           <a:p>
             <a:pPr lvl="0"/>
             <a:r>
-              <a:rPr lang="en-US" smtClean="0"/>
+              <a:rPr lang="en-US"/>
               <a:t>Click to edit Master text styles</a:t>
             </a:r>
           </a:p>
@@ -1470,38 +1457,37 @@
           <a:p>
             <a:pPr lvl="0"/>
             <a:r>
-              <a:rPr lang="en-US" smtClean="0"/>
+              <a:rPr lang="en-US"/>
               <a:t>Click to edit Master text styles</a:t>
             </a:r>
           </a:p>
           <a:p>
             <a:pPr lvl="1"/>
             <a:r>
-              <a:rPr lang="en-US" smtClean="0"/>
+              <a:rPr lang="en-US"/>
               <a:t>Second level</a:t>
             </a:r>
           </a:p>
           <a:p>
             <a:pPr lvl="2"/>
             <a:r>
-              <a:rPr lang="en-US" smtClean="0"/>
+              <a:rPr lang="en-US"/>
               <a:t>Third level</a:t>
             </a:r>
           </a:p>
           <a:p>
             <a:pPr lvl="3"/>
             <a:r>
-              <a:rPr lang="en-US" smtClean="0"/>
+              <a:rPr lang="en-US"/>
               <a:t>Fourth level</a:t>
             </a:r>
           </a:p>
           <a:p>
             <a:pPr lvl="4"/>
             <a:r>
-              <a:rPr lang="en-US" smtClean="0"/>
+              <a:rPr lang="en-US"/>
               <a:t>Fifth level</a:t>
             </a:r>
-            <a:endParaRPr lang="en-US"/>
           </a:p>
         </p:txBody>
       </p:sp>
@@ -1564,7 +1550,7 @@
           <a:p>
             <a:pPr lvl="0"/>
             <a:r>
-              <a:rPr lang="en-US" smtClean="0"/>
+              <a:rPr lang="en-US"/>
               <a:t>Click to edit Master text styles</a:t>
             </a:r>
           </a:p>
@@ -1592,38 +1578,37 @@
           <a:p>
             <a:pPr lvl="0"/>
             <a:r>
-              <a:rPr lang="en-US" smtClean="0"/>
+              <a:rPr lang="en-US"/>
               <a:t>Click to edit Master text styles</a:t>
             </a:r>
           </a:p>
           <a:p>
             <a:pPr lvl="1"/>
             <a:r>
-              <a:rPr lang="en-US" smtClean="0"/>
+              <a:rPr lang="en-US"/>
               <a:t>Second level</a:t>
             </a:r>
           </a:p>
           <a:p>
             <a:pPr lvl="2"/>
             <a:r>
-              <a:rPr lang="en-US" smtClean="0"/>
+              <a:rPr lang="en-US"/>
               <a:t>Third level</a:t>
             </a:r>
           </a:p>
           <a:p>
             <a:pPr lvl="3"/>
             <a:r>
-              <a:rPr lang="en-US" smtClean="0"/>
+              <a:rPr lang="en-US"/>
               <a:t>Fourth level</a:t>
             </a:r>
           </a:p>
           <a:p>
             <a:pPr lvl="4"/>
             <a:r>
-              <a:rPr lang="en-US" smtClean="0"/>
+              <a:rPr lang="en-US"/>
               <a:t>Fifth level</a:t>
             </a:r>
-            <a:endParaRPr lang="en-US"/>
           </a:p>
         </p:txBody>
       </p:sp>
@@ -1644,7 +1629,7 @@
           <a:p>
             <a:fld id="{359231DE-FA8E-4A92-9319-EEF44612CF27}" type="datetimeFigureOut">
               <a:rPr lang="en-US" smtClean="0"/>
-              <a:t>4/11/2019</a:t>
+              <a:t>4/25/19</a:t>
             </a:fld>
             <a:endParaRPr lang="en-US"/>
           </a:p>
@@ -1738,10 +1723,9 @@
           <a:lstStyle/>
           <a:p>
             <a:r>
-              <a:rPr lang="en-US" smtClean="0"/>
+              <a:rPr lang="en-US"/>
               <a:t>Click to edit Master title style</a:t>
             </a:r>
-            <a:endParaRPr lang="en-US"/>
           </a:p>
         </p:txBody>
       </p:sp>
@@ -1762,7 +1746,7 @@
           <a:p>
             <a:fld id="{359231DE-FA8E-4A92-9319-EEF44612CF27}" type="datetimeFigureOut">
               <a:rPr lang="en-US" smtClean="0"/>
-              <a:t>4/11/2019</a:t>
+              <a:t>4/25/19</a:t>
             </a:fld>
             <a:endParaRPr lang="en-US"/>
           </a:p>
@@ -1857,7 +1841,7 @@
           <a:p>
             <a:fld id="{359231DE-FA8E-4A92-9319-EEF44612CF27}" type="datetimeFigureOut">
               <a:rPr lang="en-US" smtClean="0"/>
-              <a:t>4/11/2019</a:t>
+              <a:t>4/25/19</a:t>
             </a:fld>
             <a:endParaRPr lang="en-US"/>
           </a:p>
@@ -1960,10 +1944,9 @@
           </a:lstStyle>
           <a:p>
             <a:r>
-              <a:rPr lang="en-US" smtClean="0"/>
+              <a:rPr lang="en-US"/>
               <a:t>Click to edit Master title style</a:t>
             </a:r>
-            <a:endParaRPr lang="en-US"/>
           </a:p>
         </p:txBody>
       </p:sp>
@@ -2017,38 +2000,37 @@
           <a:p>
             <a:pPr lvl="0"/>
             <a:r>
-              <a:rPr lang="en-US" smtClean="0"/>
+              <a:rPr lang="en-US"/>
               <a:t>Click to edit Master text styles</a:t>
             </a:r>
           </a:p>
           <a:p>
             <a:pPr lvl="1"/>
             <a:r>
-              <a:rPr lang="en-US" smtClean="0"/>
+              <a:rPr lang="en-US"/>
               <a:t>Second level</a:t>
             </a:r>
           </a:p>
           <a:p>
             <a:pPr lvl="2"/>
             <a:r>
-              <a:rPr lang="en-US" smtClean="0"/>
+              <a:rPr lang="en-US"/>
               <a:t>Third level</a:t>
             </a:r>
           </a:p>
           <a:p>
             <a:pPr lvl="3"/>
             <a:r>
-              <a:rPr lang="en-US" smtClean="0"/>
+              <a:rPr lang="en-US"/>
               <a:t>Fourth level</a:t>
             </a:r>
           </a:p>
           <a:p>
             <a:pPr lvl="4"/>
             <a:r>
-              <a:rPr lang="en-US" smtClean="0"/>
+              <a:rPr lang="en-US"/>
               <a:t>Fifth level</a:t>
             </a:r>
-            <a:endParaRPr lang="en-US"/>
           </a:p>
         </p:txBody>
       </p:sp>
@@ -2111,7 +2093,7 @@
           <a:p>
             <a:pPr lvl="0"/>
             <a:r>
-              <a:rPr lang="en-US" smtClean="0"/>
+              <a:rPr lang="en-US"/>
               <a:t>Click to edit Master text styles</a:t>
             </a:r>
           </a:p>
@@ -2134,7 +2116,7 @@
           <a:p>
             <a:fld id="{359231DE-FA8E-4A92-9319-EEF44612CF27}" type="datetimeFigureOut">
               <a:rPr lang="en-US" smtClean="0"/>
-              <a:t>4/11/2019</a:t>
+              <a:t>4/25/19</a:t>
             </a:fld>
             <a:endParaRPr lang="en-US"/>
           </a:p>
@@ -2237,10 +2219,9 @@
           </a:lstStyle>
           <a:p>
             <a:r>
-              <a:rPr lang="en-US" smtClean="0"/>
+              <a:rPr lang="en-US"/>
               <a:t>Click to edit Master title style</a:t>
             </a:r>
-            <a:endParaRPr lang="en-US"/>
           </a:p>
         </p:txBody>
       </p:sp>
@@ -2364,7 +2345,7 @@
           <a:p>
             <a:pPr lvl="0"/>
             <a:r>
-              <a:rPr lang="en-US" smtClean="0"/>
+              <a:rPr lang="en-US"/>
               <a:t>Click to edit Master text styles</a:t>
             </a:r>
           </a:p>
@@ -2387,7 +2368,7 @@
           <a:p>
             <a:fld id="{359231DE-FA8E-4A92-9319-EEF44612CF27}" type="datetimeFigureOut">
               <a:rPr lang="en-US" smtClean="0"/>
-              <a:t>4/11/2019</a:t>
+              <a:t>4/25/19</a:t>
             </a:fld>
             <a:endParaRPr lang="en-US"/>
           </a:p>
@@ -2496,10 +2477,9 @@
           <a:lstStyle/>
           <a:p>
             <a:r>
-              <a:rPr lang="en-US" smtClean="0"/>
+              <a:rPr lang="en-US"/>
               <a:t>Click to edit Master title style</a:t>
             </a:r>
-            <a:endParaRPr lang="en-US"/>
           </a:p>
         </p:txBody>
       </p:sp>
@@ -2530,38 +2510,37 @@
           <a:p>
             <a:pPr lvl="0"/>
             <a:r>
-              <a:rPr lang="en-US" smtClean="0"/>
+              <a:rPr lang="en-US"/>
               <a:t>Click to edit Master text styles</a:t>
             </a:r>
           </a:p>
           <a:p>
             <a:pPr lvl="1"/>
             <a:r>
-              <a:rPr lang="en-US" smtClean="0"/>
+              <a:rPr lang="en-US"/>
               <a:t>Second level</a:t>
             </a:r>
           </a:p>
           <a:p>
             <a:pPr lvl="2"/>
             <a:r>
-              <a:rPr lang="en-US" smtClean="0"/>
+              <a:rPr lang="en-US"/>
               <a:t>Third level</a:t>
             </a:r>
           </a:p>
           <a:p>
             <a:pPr lvl="3"/>
             <a:r>
-              <a:rPr lang="en-US" smtClean="0"/>
+              <a:rPr lang="en-US"/>
               <a:t>Fourth level</a:t>
             </a:r>
           </a:p>
           <a:p>
             <a:pPr lvl="4"/>
             <a:r>
-              <a:rPr lang="en-US" smtClean="0"/>
+              <a:rPr lang="en-US"/>
               <a:t>Fifth level</a:t>
             </a:r>
-            <a:endParaRPr lang="en-US"/>
           </a:p>
         </p:txBody>
       </p:sp>
@@ -2600,7 +2579,7 @@
           <a:p>
             <a:fld id="{359231DE-FA8E-4A92-9319-EEF44612CF27}" type="datetimeFigureOut">
               <a:rPr lang="en-US" smtClean="0"/>
-              <a:t>4/11/2019</a:t>
+              <a:t>4/25/19</a:t>
             </a:fld>
             <a:endParaRPr lang="en-US"/>
           </a:p>
@@ -3021,10 +3000,9 @@
           <a:lstStyle/>
           <a:p>
             <a:r>
-              <a:rPr lang="en-US" dirty="0" smtClean="0"/>
+              <a:rPr lang="en-US" dirty="0"/>
               <a:t>Conundrum</a:t>
             </a:r>
-            <a:endParaRPr lang="en-US" dirty="0"/>
           </a:p>
         </p:txBody>
       </p:sp>
@@ -3044,39 +3022,39 @@
           <a:lstStyle/>
           <a:p>
             <a:r>
-              <a:rPr lang="en-US" dirty="0" smtClean="0"/>
+              <a:rPr lang="en-US" dirty="0"/>
               <a:t>How can you make the most money, taking the least risk (w/o cheating)?</a:t>
             </a:r>
           </a:p>
           <a:p>
             <a:r>
-              <a:rPr lang="en-US" dirty="0" smtClean="0"/>
+              <a:rPr lang="en-US" dirty="0"/>
               <a:t>If high IR then low capacity</a:t>
             </a:r>
           </a:p>
           <a:p>
             <a:r>
-              <a:rPr lang="en-US" dirty="0" smtClean="0"/>
+              <a:rPr lang="en-US" dirty="0"/>
               <a:t>If you want capacity, you need to have liquidity and time to </a:t>
             </a:r>
             <a:r>
-              <a:rPr lang="en-US" i="1" dirty="0" smtClean="0"/>
+              <a:rPr lang="en-US" i="1" dirty="0"/>
               <a:t>push</a:t>
             </a:r>
             <a:r>
-              <a:rPr lang="en-US" dirty="0" smtClean="0"/>
+              <a:rPr lang="en-US" dirty="0"/>
               <a:t> capital in the market but then we will be subject to market volatility and hence degrade your IR</a:t>
             </a:r>
           </a:p>
           <a:p>
             <a:r>
-              <a:rPr lang="en-US" dirty="0" smtClean="0"/>
+              <a:rPr lang="en-US" dirty="0"/>
               <a:t>You will pay a fat Bid/Offer spread</a:t>
             </a:r>
           </a:p>
           <a:p>
             <a:r>
-              <a:rPr lang="en-US" dirty="0" smtClean="0"/>
+              <a:rPr lang="en-US" dirty="0"/>
               <a:t>You will be pushing the market in front of you – market impact</a:t>
             </a:r>
           </a:p>
@@ -3095,13 +3073,6 @@
   <p:clrMapOvr>
     <a:masterClrMapping/>
   </p:clrMapOvr>
-  <p:timing>
-    <p:tnLst>
-      <p:par>
-        <p:cTn id="1" dur="indefinite" restart="never" nodeType="tmRoot"/>
-      </p:par>
-    </p:tnLst>
-  </p:timing>
 </p:sld>
 </file>
 
@@ -3138,7 +3109,7 @@
           <a:lstStyle/>
           <a:p>
             <a:r>
-              <a:rPr lang="en-US" smtClean="0"/>
+              <a:rPr lang="en-US"/>
               <a:t>Be aware</a:t>
             </a:r>
             <a:endParaRPr lang="en-US" dirty="0"/>
@@ -3164,7 +3135,7 @@
               <a:buNone/>
             </a:pPr>
             <a:r>
-              <a:rPr lang="en-US" dirty="0" smtClean="0"/>
+              <a:rPr lang="en-US" dirty="0"/>
               <a:t>Think hard about your ability to make money – is it legal?</a:t>
             </a:r>
           </a:p>
@@ -3172,48 +3143,47 @@
             <a:pPr marL="0" indent="0">
               <a:buNone/>
             </a:pPr>
-            <a:endParaRPr lang="en-US" dirty="0" smtClean="0"/>
+            <a:endParaRPr lang="en-US" dirty="0"/>
           </a:p>
           <a:p>
             <a:pPr lvl="1"/>
             <a:r>
-              <a:rPr lang="en-US" dirty="0" smtClean="0"/>
+              <a:rPr lang="en-US" dirty="0"/>
               <a:t>Collusion</a:t>
             </a:r>
           </a:p>
           <a:p>
             <a:pPr lvl="1"/>
-            <a:endParaRPr lang="en-US" dirty="0" smtClean="0"/>
+            <a:endParaRPr lang="en-US" dirty="0"/>
           </a:p>
           <a:p>
             <a:pPr lvl="1"/>
             <a:r>
-              <a:rPr lang="en-US" dirty="0" smtClean="0"/>
+              <a:rPr lang="en-US" dirty="0"/>
               <a:t>Insider Information</a:t>
             </a:r>
           </a:p>
           <a:p>
             <a:pPr lvl="1"/>
-            <a:endParaRPr lang="en-US" dirty="0" smtClean="0"/>
+            <a:endParaRPr lang="en-US" dirty="0"/>
           </a:p>
           <a:p>
             <a:pPr lvl="1"/>
             <a:r>
-              <a:rPr lang="en-US" dirty="0" smtClean="0"/>
+              <a:rPr lang="en-US" dirty="0"/>
               <a:t>Trading before a client</a:t>
             </a:r>
           </a:p>
           <a:p>
             <a:pPr lvl="1"/>
-            <a:endParaRPr lang="en-US" dirty="0" smtClean="0"/>
+            <a:endParaRPr lang="en-US" dirty="0"/>
           </a:p>
           <a:p>
             <a:pPr lvl="1"/>
             <a:r>
-              <a:rPr lang="en-US" dirty="0" smtClean="0"/>
+              <a:rPr lang="en-US" dirty="0"/>
               <a:t>Manipulation </a:t>
             </a:r>
-            <a:endParaRPr lang="en-US" dirty="0"/>
           </a:p>
         </p:txBody>
       </p:sp>
@@ -3227,13 +3197,6 @@
   <p:clrMapOvr>
     <a:masterClrMapping/>
   </p:clrMapOvr>
-  <p:timing>
-    <p:tnLst>
-      <p:par>
-        <p:cTn id="1" dur="indefinite" restart="never" nodeType="tmRoot"/>
-      </p:par>
-    </p:tnLst>
-  </p:timing>
 </p:sld>
 </file>
 
@@ -3270,10 +3233,9 @@
           <a:lstStyle/>
           <a:p>
             <a:r>
-              <a:rPr lang="en-US" dirty="0" smtClean="0"/>
+              <a:rPr lang="en-US" dirty="0"/>
               <a:t>An Algorithmic Trading Platform</a:t>
             </a:r>
-            <a:endParaRPr lang="en-US" dirty="0"/>
           </a:p>
         </p:txBody>
       </p:sp>
@@ -3298,8 +3260,24 @@
               <a:buNone/>
             </a:pPr>
             <a:r>
-              <a:rPr lang="en-US" dirty="0" smtClean="0"/>
-              <a:t>Five modules define an algoritmic trading platform</a:t>
+              <a:rPr lang="en-US" dirty="0"/>
+              <a:t>Five modules define </a:t>
+            </a:r>
+            <a:r>
+              <a:rPr lang="en-US"/>
+              <a:t>an algorit</a:t>
+            </a:r>
+            <a:r>
+              <a:rPr lang="en-US" altLang="zh-CN"/>
+              <a:t>h</a:t>
+            </a:r>
+            <a:r>
+              <a:rPr lang="en-US"/>
+              <a:t>mic </a:t>
+            </a:r>
+            <a:r>
+              <a:rPr lang="en-US" dirty="0"/>
+              <a:t>trading platform</a:t>
             </a:r>
           </a:p>
           <a:p>
@@ -3307,7 +3285,7 @@
               <a:buNone/>
             </a:pPr>
             <a:r>
-              <a:rPr lang="en-US" dirty="0" smtClean="0"/>
+              <a:rPr lang="en-US" dirty="0"/>
               <a:t>	</a:t>
             </a:r>
           </a:p>
@@ -3317,19 +3295,33 @@
             </a:pPr>
             <a:r>
               <a:rPr lang="en-US" dirty="0"/>
+              <a:t>	An Alpha Engine(s)</a:t>
+            </a:r>
+          </a:p>
+          <a:p>
+            <a:pPr marL="457200" lvl="1" indent="0">
+              <a:buNone/>
+            </a:pPr>
+            <a:r>
+              <a:rPr lang="en-US" dirty="0"/>
               <a:t>	</a:t>
             </a:r>
-            <a:r>
-              <a:rPr lang="en-US" dirty="0" smtClean="0"/>
-              <a:t>An Alpha Engine(s)</a:t>
-            </a:r>
           </a:p>
           <a:p>
             <a:pPr marL="457200" lvl="1" indent="0">
               <a:buNone/>
             </a:pPr>
             <a:r>
-              <a:rPr lang="en-US" dirty="0" smtClean="0"/>
+              <a:rPr lang="en-US" dirty="0"/>
+              <a:t>	An Order Generator</a:t>
+            </a:r>
+          </a:p>
+          <a:p>
+            <a:pPr marL="457200" lvl="1" indent="0">
+              <a:buNone/>
+            </a:pPr>
+            <a:r>
+              <a:rPr lang="en-US" dirty="0"/>
               <a:t>	</a:t>
             </a:r>
           </a:p>
@@ -3339,19 +3331,33 @@
             </a:pPr>
             <a:r>
               <a:rPr lang="en-US" dirty="0"/>
+              <a:t>	An Execution Engine</a:t>
+            </a:r>
+          </a:p>
+          <a:p>
+            <a:pPr marL="457200" lvl="1" indent="0">
+              <a:buNone/>
+            </a:pPr>
+            <a:r>
+              <a:rPr lang="en-US" dirty="0"/>
               <a:t>	</a:t>
             </a:r>
-            <a:r>
-              <a:rPr lang="en-US" dirty="0" smtClean="0"/>
-              <a:t>An Order Generator</a:t>
-            </a:r>
           </a:p>
           <a:p>
             <a:pPr marL="457200" lvl="1" indent="0">
               <a:buNone/>
             </a:pPr>
             <a:r>
-              <a:rPr lang="en-US" dirty="0" smtClean="0"/>
+              <a:rPr lang="en-US" dirty="0"/>
+              <a:t>	A Controller/Limit Server</a:t>
+            </a:r>
+          </a:p>
+          <a:p>
+            <a:pPr marL="457200" lvl="1" indent="0">
+              <a:buNone/>
+            </a:pPr>
+            <a:r>
+              <a:rPr lang="en-US" dirty="0"/>
               <a:t>	</a:t>
             </a:r>
           </a:p>
@@ -3361,56 +3367,7 @@
             </a:pPr>
             <a:r>
               <a:rPr lang="en-US" dirty="0"/>
-              <a:t>	</a:t>
-            </a:r>
-            <a:r>
-              <a:rPr lang="en-US" dirty="0" smtClean="0"/>
-              <a:t>An Execution Engine</a:t>
-            </a:r>
-          </a:p>
-          <a:p>
-            <a:pPr marL="457200" lvl="1" indent="0">
-              <a:buNone/>
-            </a:pPr>
-            <a:r>
-              <a:rPr lang="en-US" dirty="0" smtClean="0"/>
-              <a:t>	</a:t>
-            </a:r>
-          </a:p>
-          <a:p>
-            <a:pPr marL="457200" lvl="1" indent="0">
-              <a:buNone/>
-            </a:pPr>
-            <a:r>
-              <a:rPr lang="en-US" dirty="0"/>
-              <a:t>	</a:t>
-            </a:r>
-            <a:r>
-              <a:rPr lang="en-US" dirty="0" smtClean="0"/>
-              <a:t>A Controller/Limit Server</a:t>
-            </a:r>
-          </a:p>
-          <a:p>
-            <a:pPr marL="457200" lvl="1" indent="0">
-              <a:buNone/>
-            </a:pPr>
-            <a:r>
-              <a:rPr lang="en-US" dirty="0"/>
-              <a:t>	</a:t>
-            </a:r>
-            <a:endParaRPr lang="en-US" dirty="0" smtClean="0"/>
-          </a:p>
-          <a:p>
-            <a:pPr marL="457200" lvl="1" indent="0">
-              <a:buNone/>
-            </a:pPr>
-            <a:r>
-              <a:rPr lang="en-US" dirty="0"/>
-              <a:t>	</a:t>
-            </a:r>
-            <a:r>
-              <a:rPr lang="en-US" dirty="0" smtClean="0"/>
-              <a:t>A Management Module</a:t>
+              <a:t>	A Management Module</a:t>
             </a:r>
           </a:p>
           <a:p>
@@ -3431,13 +3388,6 @@
   <p:clrMapOvr>
     <a:masterClrMapping/>
   </p:clrMapOvr>
-  <p:timing>
-    <p:tnLst>
-      <p:par>
-        <p:cTn id="1" dur="indefinite" restart="never" nodeType="tmRoot"/>
-      </p:par>
-    </p:tnLst>
-  </p:timing>
 </p:sld>
 </file>
 
@@ -3474,10 +3424,9 @@
           <a:lstStyle/>
           <a:p>
             <a:r>
-              <a:rPr lang="en-US" dirty="0" smtClean="0"/>
+              <a:rPr lang="en-US" dirty="0"/>
               <a:t>An Algorithmic Trading Platform...</a:t>
             </a:r>
-            <a:endParaRPr lang="en-US" dirty="0"/>
           </a:p>
         </p:txBody>
       </p:sp>
@@ -3503,14 +3452,14 @@
             <a:pPr marL="0" indent="0">
               <a:buNone/>
             </a:pPr>
-            <a:endParaRPr lang="en-US" dirty="0" smtClean="0"/>
+            <a:endParaRPr lang="en-US" dirty="0"/>
           </a:p>
           <a:p>
             <a:pPr marL="0" indent="0">
               <a:buNone/>
             </a:pPr>
             <a:r>
-              <a:rPr lang="en-US" dirty="0" smtClean="0"/>
+              <a:rPr lang="en-US" dirty="0"/>
               <a:t>Each module has a clear functional purpose – some of these modules can have several instances</a:t>
             </a:r>
           </a:p>
@@ -3526,13 +3475,6 @@
   <p:clrMapOvr>
     <a:masterClrMapping/>
   </p:clrMapOvr>
-  <p:timing>
-    <p:tnLst>
-      <p:par>
-        <p:cTn id="1" dur="indefinite" restart="never" nodeType="tmRoot"/>
-      </p:par>
-    </p:tnLst>
-  </p:timing>
 </p:sld>
 </file>
 
@@ -3900,10 +3842,9 @@
           <a:p>
             <a:pPr algn="ctr"/>
             <a:r>
-              <a:rPr lang="en-US" sz="1200" dirty="0" smtClean="0"/>
+              <a:rPr lang="en-US" sz="1200" dirty="0"/>
               <a:t>Generator</a:t>
             </a:r>
-            <a:endParaRPr lang="en-US" sz="1200" dirty="0"/>
           </a:p>
         </p:txBody>
       </p:sp>
@@ -3931,17 +3872,16 @@
           <a:p>
             <a:pPr algn="ctr"/>
             <a:r>
-              <a:rPr lang="en-US" sz="1200" dirty="0" smtClean="0"/>
+              <a:rPr lang="en-US" sz="1200" dirty="0"/>
               <a:t>Execution</a:t>
             </a:r>
           </a:p>
           <a:p>
             <a:pPr algn="ctr"/>
             <a:r>
-              <a:rPr lang="en-US" sz="1200" dirty="0" smtClean="0"/>
+              <a:rPr lang="en-US" sz="1200" dirty="0"/>
               <a:t>Engine</a:t>
             </a:r>
-            <a:endParaRPr lang="en-US" sz="1200" dirty="0"/>
           </a:p>
         </p:txBody>
       </p:sp>
@@ -3969,14 +3909,14 @@
           <a:p>
             <a:pPr algn="ctr"/>
             <a:r>
-              <a:rPr lang="en-US" sz="1200" dirty="0" smtClean="0"/>
+              <a:rPr lang="en-US" sz="1200" dirty="0"/>
               <a:t>Controller</a:t>
             </a:r>
           </a:p>
           <a:p>
             <a:pPr algn="ctr"/>
             <a:r>
-              <a:rPr lang="en-US" sz="1200" dirty="0" smtClean="0"/>
+              <a:rPr lang="en-US" sz="1200" dirty="0"/>
               <a:t>Limit Server</a:t>
             </a:r>
           </a:p>
@@ -4006,10 +3946,9 @@
           <a:p>
             <a:pPr algn="ctr"/>
             <a:r>
-              <a:rPr lang="en-US" sz="1200" dirty="0" smtClean="0"/>
+              <a:rPr lang="en-US" sz="1200" dirty="0"/>
               <a:t>Alpha Engines</a:t>
             </a:r>
-            <a:endParaRPr lang="en-US" sz="1200" dirty="0"/>
           </a:p>
         </p:txBody>
       </p:sp>
@@ -4082,10 +4021,9 @@
           <a:lstStyle/>
           <a:p>
             <a:r>
-              <a:rPr lang="en-US" sz="1200" dirty="0" smtClean="0"/>
+              <a:rPr lang="en-US" sz="1200" dirty="0"/>
               <a:t>markets</a:t>
             </a:r>
-            <a:endParaRPr lang="en-US" sz="1200" dirty="0"/>
           </a:p>
         </p:txBody>
       </p:sp>
@@ -4158,10 +4096,9 @@
           <a:lstStyle/>
           <a:p>
             <a:r>
-              <a:rPr lang="en-US" sz="1200" dirty="0" smtClean="0"/>
+              <a:rPr lang="en-US" sz="1200" dirty="0"/>
               <a:t>markets</a:t>
             </a:r>
-            <a:endParaRPr lang="en-US" sz="1200" dirty="0"/>
           </a:p>
         </p:txBody>
       </p:sp>
@@ -4557,18 +4494,13 @@
           <a:lstStyle/>
           <a:p>
             <a:r>
-              <a:rPr lang="en-US" sz="1000" dirty="0" smtClean="0">
+              <a:rPr lang="en-US" sz="1000" dirty="0">
                 <a:solidFill>
                   <a:srgbClr val="FF0000"/>
                 </a:solidFill>
               </a:rPr>
               <a:t>inputs</a:t>
             </a:r>
-            <a:endParaRPr lang="en-US" sz="1000" dirty="0">
-              <a:solidFill>
-                <a:srgbClr val="FF0000"/>
-              </a:solidFill>
-            </a:endParaRPr>
           </a:p>
         </p:txBody>
       </p:sp>
@@ -4595,18 +4527,13 @@
           <a:lstStyle/>
           <a:p>
             <a:r>
-              <a:rPr lang="en-US" sz="1000" dirty="0" smtClean="0">
+              <a:rPr lang="en-US" sz="1000" dirty="0">
                 <a:solidFill>
                   <a:srgbClr val="FF0000"/>
                 </a:solidFill>
               </a:rPr>
               <a:t>signals</a:t>
             </a:r>
-            <a:endParaRPr lang="en-US" sz="1000" dirty="0">
-              <a:solidFill>
-                <a:srgbClr val="FF0000"/>
-              </a:solidFill>
-            </a:endParaRPr>
           </a:p>
         </p:txBody>
       </p:sp>
@@ -4710,21 +4637,8 @@
                   <a:srgbClr val="FF0000"/>
                 </a:solidFill>
               </a:rPr>
-              <a:t>p</a:t>
-            </a:r>
-            <a:r>
-              <a:rPr lang="en-US" sz="1000" dirty="0" smtClean="0">
-                <a:solidFill>
-                  <a:srgbClr val="FF0000"/>
-                </a:solidFill>
-              </a:rPr>
-              <a:t>arent orders</a:t>
-            </a:r>
-            <a:endParaRPr lang="en-US" sz="1000" dirty="0">
-              <a:solidFill>
-                <a:srgbClr val="FF0000"/>
-              </a:solidFill>
-            </a:endParaRPr>
+              <a:t>parent orders</a:t>
+            </a:r>
           </a:p>
         </p:txBody>
       </p:sp>
@@ -4799,13 +4713,8 @@
             <a:pPr algn="ctr"/>
             <a:r>
               <a:rPr lang="en-US" sz="1200" dirty="0"/>
-              <a:t>i</a:t>
-            </a:r>
-            <a:r>
-              <a:rPr lang="en-US" sz="1200" dirty="0" smtClean="0"/>
-              <a:t>nventory – back office -- fills</a:t>
-            </a:r>
-            <a:endParaRPr lang="en-US" sz="1200" dirty="0"/>
+              <a:t>inventory – back office -- fills</a:t>
+            </a:r>
           </a:p>
         </p:txBody>
       </p:sp>
@@ -4908,18 +4817,13 @@
           <a:lstStyle/>
           <a:p>
             <a:r>
-              <a:rPr lang="en-US" sz="1000" dirty="0" smtClean="0">
+              <a:rPr lang="en-US" sz="1000" dirty="0">
                 <a:solidFill>
                   <a:srgbClr val="FF0000"/>
                 </a:solidFill>
               </a:rPr>
               <a:t>fills</a:t>
             </a:r>
-            <a:endParaRPr lang="en-US" sz="1000" dirty="0">
-              <a:solidFill>
-                <a:srgbClr val="FF0000"/>
-              </a:solidFill>
-            </a:endParaRPr>
           </a:p>
         </p:txBody>
       </p:sp>
@@ -4946,18 +4850,13 @@
           <a:lstStyle/>
           <a:p>
             <a:r>
-              <a:rPr lang="en-US" sz="1000" dirty="0" smtClean="0">
+              <a:rPr lang="en-US" sz="1000" dirty="0">
                 <a:solidFill>
                   <a:srgbClr val="FF0000"/>
                 </a:solidFill>
               </a:rPr>
               <a:t>positions</a:t>
             </a:r>
-            <a:endParaRPr lang="en-US" sz="1000" dirty="0">
-              <a:solidFill>
-                <a:srgbClr val="FF0000"/>
-              </a:solidFill>
-            </a:endParaRPr>
           </a:p>
         </p:txBody>
       </p:sp>
@@ -4989,21 +4888,8 @@
                   <a:srgbClr val="FF0000"/>
                 </a:solidFill>
               </a:rPr>
-              <a:t>c</a:t>
-            </a:r>
-            <a:r>
-              <a:rPr lang="en-US" sz="1000" dirty="0" smtClean="0">
-                <a:solidFill>
-                  <a:srgbClr val="FF0000"/>
-                </a:solidFill>
-              </a:rPr>
-              <a:t>hild orders</a:t>
-            </a:r>
-            <a:endParaRPr lang="en-US" sz="1000" dirty="0">
-              <a:solidFill>
-                <a:srgbClr val="FF0000"/>
-              </a:solidFill>
-            </a:endParaRPr>
+              <a:t>child orders</a:t>
+            </a:r>
           </a:p>
         </p:txBody>
       </p:sp>
@@ -5076,10 +4962,9 @@
           <a:lstStyle/>
           <a:p>
             <a:r>
-              <a:rPr lang="en-US" sz="1200" dirty="0" smtClean="0"/>
+              <a:rPr lang="en-US" sz="1200" dirty="0"/>
               <a:t>Management Module</a:t>
             </a:r>
-            <a:endParaRPr lang="en-US" sz="1200" dirty="0"/>
           </a:p>
         </p:txBody>
       </p:sp>
@@ -5093,13 +4978,6 @@
   <p:clrMapOvr>
     <a:masterClrMapping/>
   </p:clrMapOvr>
-  <p:timing>
-    <p:tnLst>
-      <p:par>
-        <p:cTn id="1" dur="indefinite" restart="never" nodeType="tmRoot"/>
-      </p:par>
-    </p:tnLst>
-  </p:timing>
 </p:sld>
 </file>
 
@@ -5136,47 +5014,46 @@
           <a:lstStyle/>
           <a:p>
             <a:r>
-              <a:rPr lang="en-US" dirty="0" smtClean="0"/>
+              <a:rPr lang="en-US" dirty="0"/>
               <a:t>The Alpha Engine(s)</a:t>
             </a:r>
+          </a:p>
+        </p:txBody>
+      </p:sp>
+      <p:sp>
+        <p:nvSpPr>
+          <p:cNvPr id="3" name="Content Placeholder 2"/>
+          <p:cNvSpPr>
+            <a:spLocks noGrp="1"/>
+          </p:cNvSpPr>
+          <p:nvPr>
+            <p:ph idx="1"/>
+          </p:nvPr>
+        </p:nvSpPr>
+        <p:spPr/>
+        <p:txBody>
+          <a:bodyPr/>
+          <a:lstStyle/>
+          <a:p>
+            <a:r>
+              <a:rPr lang="en-US" dirty="0"/>
+              <a:t>This embodies your strategy, or your alpha, usually in the form of a program</a:t>
+            </a:r>
+          </a:p>
+          <a:p>
+            <a:r>
+              <a:rPr lang="en-US" dirty="0"/>
+              <a:t>It is where your (most valued) intellectual property (IP) resides – protect it well as it is your lifelihood</a:t>
+            </a:r>
+          </a:p>
+          <a:p>
+            <a:r>
+              <a:rPr lang="en-US" dirty="0"/>
+              <a:t>Depending on the needed speed of signal generation and the mass of data to process, your algorithm can be coded in Excel (not recommended), C#, Java, Python, MathLab, C++....</a:t>
+            </a:r>
+          </a:p>
+          <a:p>
             <a:endParaRPr lang="en-US" dirty="0"/>
-          </a:p>
-        </p:txBody>
-      </p:sp>
-      <p:sp>
-        <p:nvSpPr>
-          <p:cNvPr id="3" name="Content Placeholder 2"/>
-          <p:cNvSpPr>
-            <a:spLocks noGrp="1"/>
-          </p:cNvSpPr>
-          <p:nvPr>
-            <p:ph idx="1"/>
-          </p:nvPr>
-        </p:nvSpPr>
-        <p:spPr/>
-        <p:txBody>
-          <a:bodyPr/>
-          <a:lstStyle/>
-          <a:p>
-            <a:r>
-              <a:rPr lang="en-US" dirty="0" smtClean="0"/>
-              <a:t>This embodies your strategy, or your alpha, usually in the form of a program</a:t>
-            </a:r>
-          </a:p>
-          <a:p>
-            <a:r>
-              <a:rPr lang="en-US" dirty="0" smtClean="0"/>
-              <a:t>It is where your (most valued) intellectual property (IP) resides – protect it well as it is your lifelihood</a:t>
-            </a:r>
-          </a:p>
-          <a:p>
-            <a:r>
-              <a:rPr lang="en-US" dirty="0" smtClean="0"/>
-              <a:t>Depending on the needed speed of signal generation and the mass of data to process, your algorithm can be coded in Excel (not recommended), C#, Java, Python, MathLab, C++....</a:t>
-            </a:r>
-          </a:p>
-          <a:p>
-            <a:endParaRPr lang="en-US" dirty="0" smtClean="0"/>
           </a:p>
         </p:txBody>
       </p:sp>
@@ -5190,13 +5067,6 @@
   <p:clrMapOvr>
     <a:masterClrMapping/>
   </p:clrMapOvr>
-  <p:timing>
-    <p:tnLst>
-      <p:par>
-        <p:cTn id="1" dur="indefinite" restart="never" nodeType="tmRoot"/>
-      </p:par>
-    </p:tnLst>
-  </p:timing>
 </p:sld>
 </file>
 
@@ -5233,113 +5103,108 @@
           <a:lstStyle/>
           <a:p>
             <a:r>
-              <a:rPr lang="en-US" dirty="0" smtClean="0"/>
+              <a:rPr lang="en-US" dirty="0"/>
               <a:t>Alpha engines...</a:t>
             </a:r>
+          </a:p>
+        </p:txBody>
+      </p:sp>
+      <p:sp>
+        <p:nvSpPr>
+          <p:cNvPr id="3" name="Content Placeholder 2"/>
+          <p:cNvSpPr>
+            <a:spLocks noGrp="1"/>
+          </p:cNvSpPr>
+          <p:nvPr>
+            <p:ph idx="1"/>
+          </p:nvPr>
+        </p:nvSpPr>
+        <p:spPr/>
+        <p:txBody>
+          <a:bodyPr/>
+          <a:lstStyle/>
+          <a:p>
+            <a:r>
+              <a:rPr lang="en-US" dirty="0"/>
+              <a:t>Inputs to the alpha engines are:</a:t>
+            </a:r>
+          </a:p>
+          <a:p>
+            <a:pPr lvl="1"/>
+            <a:r>
+              <a:rPr lang="en-US" dirty="0"/>
+              <a:t>Live prices – you decide on the sampling speed</a:t>
+            </a:r>
+          </a:p>
+          <a:p>
+            <a:pPr lvl="1"/>
+            <a:r>
+              <a:rPr lang="en-US" dirty="0"/>
+              <a:t>Other live variables – implied vols, flow data, economic numbers,...</a:t>
+            </a:r>
+          </a:p>
+          <a:p>
+            <a:pPr lvl="1"/>
+            <a:r>
+              <a:rPr lang="en-US" dirty="0"/>
+              <a:t>A set of parameters to configure your alpha-generating algorithms</a:t>
+            </a:r>
+          </a:p>
+          <a:p>
+            <a:pPr lvl="1"/>
             <a:endParaRPr lang="en-US" dirty="0"/>
           </a:p>
-        </p:txBody>
-      </p:sp>
-      <p:sp>
-        <p:nvSpPr>
-          <p:cNvPr id="3" name="Content Placeholder 2"/>
-          <p:cNvSpPr>
-            <a:spLocks noGrp="1"/>
-          </p:cNvSpPr>
-          <p:nvPr>
-            <p:ph idx="1"/>
-          </p:nvPr>
-        </p:nvSpPr>
-        <p:spPr/>
-        <p:txBody>
-          <a:bodyPr/>
-          <a:lstStyle/>
-          <a:p>
-            <a:r>
-              <a:rPr lang="en-US" dirty="0"/>
-              <a:t>I</a:t>
-            </a:r>
-            <a:r>
-              <a:rPr lang="en-US" dirty="0" smtClean="0"/>
-              <a:t>nputs to the alpha engines are:</a:t>
+          <a:p>
+            <a:r>
+              <a:rPr lang="en-US" dirty="0"/>
+              <a:t>Output of the alpha engine(s) to the Order Generator are:</a:t>
             </a:r>
           </a:p>
           <a:p>
             <a:pPr lvl="1"/>
             <a:r>
-              <a:rPr lang="en-US" dirty="0" smtClean="0"/>
-              <a:t>Live prices – you decide on the sampling speed</a:t>
+              <a:rPr lang="en-US" dirty="0"/>
+              <a:t>Live Signals – you decided on either a clock (ie time-based generation) mechanism or a price mechanism</a:t>
             </a:r>
           </a:p>
           <a:p>
             <a:pPr lvl="1"/>
             <a:r>
-              <a:rPr lang="en-US" dirty="0" smtClean="0"/>
-              <a:t>Other live variables – implied vols, flow data, economic numbers,...</a:t>
+              <a:rPr lang="en-US" dirty="0"/>
+              <a:t>In all cases, your output is either </a:t>
+            </a:r>
+            <a:r>
+              <a:rPr lang="en-US" b="1" dirty="0"/>
+              <a:t>Long</a:t>
+            </a:r>
+            <a:r>
+              <a:rPr lang="en-US" dirty="0"/>
+              <a:t>, </a:t>
+            </a:r>
+            <a:r>
+              <a:rPr lang="en-US" b="1" dirty="0"/>
+              <a:t>Short</a:t>
+            </a:r>
+            <a:r>
+              <a:rPr lang="en-US" dirty="0"/>
+              <a:t> or </a:t>
+            </a:r>
+            <a:r>
+              <a:rPr lang="en-US" b="1" dirty="0"/>
+              <a:t>Flat</a:t>
+            </a:r>
+            <a:r>
+              <a:rPr lang="en-US" dirty="0"/>
+              <a:t> for a given </a:t>
+            </a:r>
+            <a:r>
+              <a:rPr lang="en-US" i="1" dirty="0"/>
+              <a:t>asset</a:t>
             </a:r>
           </a:p>
           <a:p>
             <a:pPr lvl="1"/>
-            <a:r>
-              <a:rPr lang="en-US" dirty="0" smtClean="0"/>
-              <a:t>A set of parameters to configure your alpha-generating algorithms</a:t>
-            </a:r>
-          </a:p>
-          <a:p>
-            <a:pPr lvl="1"/>
-            <a:endParaRPr lang="en-US" dirty="0" smtClean="0"/>
-          </a:p>
-          <a:p>
-            <a:r>
-              <a:rPr lang="en-US" dirty="0" smtClean="0"/>
-              <a:t>Output of the alpha engine(s) to the Order Generator are:</a:t>
-            </a:r>
-          </a:p>
-          <a:p>
-            <a:pPr lvl="1"/>
-            <a:r>
-              <a:rPr lang="en-US" dirty="0" smtClean="0"/>
-              <a:t>Live Signals – you decided on either a clock (ie time-based generation) mechanism or a price mechanism</a:t>
-            </a:r>
-          </a:p>
-          <a:p>
-            <a:pPr lvl="1"/>
-            <a:r>
-              <a:rPr lang="en-US" dirty="0" smtClean="0"/>
-              <a:t>In all cases, your output is either </a:t>
-            </a:r>
-            <a:r>
-              <a:rPr lang="en-US" b="1" dirty="0" smtClean="0"/>
-              <a:t>Long</a:t>
-            </a:r>
-            <a:r>
-              <a:rPr lang="en-US" dirty="0" smtClean="0"/>
-              <a:t>, </a:t>
-            </a:r>
-            <a:r>
-              <a:rPr lang="en-US" b="1" dirty="0" smtClean="0"/>
-              <a:t>Short</a:t>
-            </a:r>
-            <a:r>
-              <a:rPr lang="en-US" dirty="0" smtClean="0"/>
-              <a:t> or </a:t>
-            </a:r>
-            <a:r>
-              <a:rPr lang="en-US" b="1" dirty="0" smtClean="0"/>
-              <a:t>Flat</a:t>
-            </a:r>
-            <a:r>
-              <a:rPr lang="en-US" dirty="0" smtClean="0"/>
-              <a:t> for a given </a:t>
-            </a:r>
-            <a:r>
-              <a:rPr lang="en-US" i="1" dirty="0" smtClean="0"/>
-              <a:t>asset</a:t>
-            </a:r>
-          </a:p>
-          <a:p>
-            <a:pPr lvl="1"/>
-            <a:endParaRPr lang="en-US" dirty="0" smtClean="0"/>
+            <a:endParaRPr lang="en-US" dirty="0"/>
           </a:p>
           <a:p>
             <a:pPr lvl="1"/>
@@ -5357,13 +5222,6 @@
   <p:clrMapOvr>
     <a:masterClrMapping/>
   </p:clrMapOvr>
-  <p:timing>
-    <p:tnLst>
-      <p:par>
-        <p:cTn id="1" dur="indefinite" restart="never" nodeType="tmRoot"/>
-      </p:par>
-    </p:tnLst>
-  </p:timing>
 </p:sld>
 </file>
 
@@ -5400,10 +5258,9 @@
           <a:lstStyle/>
           <a:p>
             <a:r>
-              <a:rPr lang="en-US" dirty="0" smtClean="0"/>
+              <a:rPr lang="en-US" dirty="0"/>
               <a:t>Assets</a:t>
             </a:r>
-            <a:endParaRPr lang="en-US" dirty="0"/>
           </a:p>
         </p:txBody>
       </p:sp>
@@ -5423,46 +5280,29 @@
           <a:lstStyle/>
           <a:p>
             <a:r>
-              <a:rPr lang="en-US" dirty="0" smtClean="0"/>
+              <a:rPr lang="en-US" dirty="0"/>
               <a:t>An asset is a financial </a:t>
             </a:r>
             <a:r>
-              <a:rPr lang="en-US" i="1" dirty="0" smtClean="0"/>
+              <a:rPr lang="en-US" i="1" dirty="0"/>
               <a:t>object</a:t>
             </a:r>
             <a:r>
-              <a:rPr lang="en-US" dirty="0" smtClean="0"/>
+              <a:rPr lang="en-US" dirty="0"/>
               <a:t> for which you can collect and receive live the inputs you require</a:t>
             </a:r>
           </a:p>
           <a:p>
             <a:r>
-              <a:rPr lang="en-US" dirty="0" smtClean="0"/>
-              <a:t>Such asset can be: Gold, 2-year US </a:t>
-            </a:r>
-            <a:r>
-              <a:rPr lang="en-US" dirty="0"/>
-              <a:t>S</a:t>
-            </a:r>
-            <a:r>
-              <a:rPr lang="en-US" dirty="0" smtClean="0"/>
-              <a:t>wap </a:t>
-            </a:r>
-            <a:r>
-              <a:rPr lang="en-US" dirty="0"/>
-              <a:t>R</a:t>
-            </a:r>
-            <a:r>
-              <a:rPr lang="en-US" dirty="0" smtClean="0"/>
-              <a:t>ate, Oil, Eur/Usd, SP500, Amazon</a:t>
-            </a:r>
-          </a:p>
-          <a:p>
-            <a:r>
-              <a:rPr lang="en-US" dirty="0" smtClean="0"/>
+              <a:rPr lang="en-US" dirty="0"/>
+              <a:t>Such asset can be: Gold, 2-year US Swap Rate, Oil, Eur/Usd, SP500, Amazon</a:t>
+            </a:r>
+          </a:p>
+          <a:p>
+            <a:r>
+              <a:rPr lang="en-US" dirty="0"/>
               <a:t>You will trade these assets -- for Gold as the current gold future (or the Cash), for the 2-year swap rate as the 8 first eurodollar futures or as an actual 2-year swap, for Oil as the current oil future, for Eur/Usd as Cash or Eur current futures, SP500 as the SP500 Index, an ETF or the SP futures, .....</a:t>
             </a:r>
-            <a:endParaRPr lang="en-US" dirty="0"/>
           </a:p>
         </p:txBody>
       </p:sp>
@@ -5476,13 +5316,6 @@
   <p:clrMapOvr>
     <a:masterClrMapping/>
   </p:clrMapOvr>
-  <p:timing>
-    <p:tnLst>
-      <p:par>
-        <p:cTn id="1" dur="indefinite" restart="never" nodeType="tmRoot"/>
-      </p:par>
-    </p:tnLst>
-  </p:timing>
 </p:sld>
 </file>
 
@@ -5519,10 +5352,9 @@
           <a:lstStyle/>
           <a:p>
             <a:r>
-              <a:rPr lang="en-US" dirty="0" smtClean="0"/>
+              <a:rPr lang="en-US" dirty="0"/>
               <a:t>Assets....</a:t>
             </a:r>
-            <a:endParaRPr lang="en-US" dirty="0"/>
           </a:p>
         </p:txBody>
       </p:sp>
@@ -5543,81 +5375,72 @@
           <a:p>
             <a:r>
               <a:rPr lang="en-US" dirty="0"/>
-              <a:t>A</a:t>
-            </a:r>
-            <a:r>
-              <a:rPr lang="en-US" dirty="0" smtClean="0"/>
-              <a:t>n asset can be a </a:t>
-            </a:r>
-            <a:r>
-              <a:rPr lang="en-US" i="1" dirty="0" smtClean="0"/>
+              <a:t>An asset can be a </a:t>
+            </a:r>
+            <a:r>
+              <a:rPr lang="en-US" i="1" dirty="0"/>
               <a:t>composite</a:t>
             </a:r>
             <a:r>
-              <a:rPr lang="en-US" dirty="0" smtClean="0"/>
+              <a:rPr lang="en-US" dirty="0"/>
               <a:t> asset  such a </a:t>
             </a:r>
             <a:r>
-              <a:rPr lang="en-US" i="1" dirty="0" smtClean="0"/>
+              <a:rPr lang="en-US" i="1" dirty="0"/>
               <a:t>spread</a:t>
             </a:r>
             <a:r>
-              <a:rPr lang="en-US" dirty="0" smtClean="0"/>
+              <a:rPr lang="en-US" dirty="0"/>
               <a:t> of 2 assets, a </a:t>
             </a:r>
             <a:r>
-              <a:rPr lang="en-US" i="1" dirty="0" smtClean="0"/>
+              <a:rPr lang="en-US" i="1" dirty="0"/>
               <a:t>butterfly </a:t>
             </a:r>
             <a:r>
-              <a:rPr lang="en-US" dirty="0" smtClean="0"/>
+              <a:rPr lang="en-US" dirty="0"/>
               <a:t> of 3 assets, a </a:t>
             </a:r>
             <a:r>
-              <a:rPr lang="en-US" i="1" dirty="0" smtClean="0"/>
+              <a:rPr lang="en-US" i="1" dirty="0"/>
               <a:t>basket</a:t>
             </a:r>
             <a:r>
-              <a:rPr lang="en-US" dirty="0" smtClean="0"/>
+              <a:rPr lang="en-US" dirty="0"/>
               <a:t> of assets....</a:t>
             </a:r>
           </a:p>
           <a:p>
             <a:r>
-              <a:rPr lang="en-US" dirty="0" smtClean="0"/>
+              <a:rPr lang="en-US" dirty="0"/>
               <a:t>Your signal refers to this asset (either real or composite) </a:t>
             </a:r>
           </a:p>
           <a:p>
             <a:r>
               <a:rPr lang="en-US" dirty="0"/>
-              <a:t>Y</a:t>
-            </a:r>
-            <a:r>
-              <a:rPr lang="en-US" dirty="0" smtClean="0"/>
-              <a:t>our alpha-generating algo </a:t>
-            </a:r>
-            <a:r>
-              <a:rPr lang="en-US" i="1" dirty="0" smtClean="0"/>
+              <a:t>Your alpha-generating algo </a:t>
+            </a:r>
+            <a:r>
+              <a:rPr lang="en-US" i="1" dirty="0"/>
               <a:t>manipulates</a:t>
             </a:r>
             <a:r>
-              <a:rPr lang="en-US" dirty="0" smtClean="0"/>
+              <a:rPr lang="en-US" dirty="0"/>
               <a:t> such an asset</a:t>
             </a:r>
           </a:p>
           <a:p>
             <a:r>
-              <a:rPr lang="en-US" dirty="0" smtClean="0"/>
+              <a:rPr lang="en-US" dirty="0"/>
               <a:t>Your signal message coming from the Alpha Engine(s) is time-stamped (date/time to msec), carries a Long/Short/Flat signal, and holds a theroretical price for your asset</a:t>
             </a:r>
           </a:p>
           <a:p>
             <a:r>
-              <a:rPr lang="en-US" dirty="0" smtClean="0"/>
+              <a:rPr lang="en-US" dirty="0"/>
               <a:t>The theoretical asset price should incorporate the estimated cost of transaction for your size and credit </a:t>
             </a:r>
-            <a:endParaRPr lang="en-US" dirty="0"/>
           </a:p>
         </p:txBody>
       </p:sp>
@@ -5631,13 +5454,6 @@
   <p:clrMapOvr>
     <a:masterClrMapping/>
   </p:clrMapOvr>
-  <p:timing>
-    <p:tnLst>
-      <p:par>
-        <p:cTn id="1" dur="indefinite" restart="never" nodeType="tmRoot"/>
-      </p:par>
-    </p:tnLst>
-  </p:timing>
 </p:sld>
 </file>
 
@@ -5674,10 +5490,9 @@
           <a:lstStyle/>
           <a:p>
             <a:r>
-              <a:rPr lang="en-US" dirty="0" smtClean="0"/>
+              <a:rPr lang="en-US" dirty="0"/>
               <a:t>Assets ... </a:t>
             </a:r>
-            <a:endParaRPr lang="en-US" dirty="0"/>
           </a:p>
         </p:txBody>
       </p:sp>
@@ -5700,18 +5515,17 @@
               <a:buNone/>
             </a:pPr>
             <a:r>
-              <a:rPr lang="en-US" dirty="0" smtClean="0"/>
+              <a:rPr lang="en-US" dirty="0"/>
               <a:t>You should have enough info in the output (signal) message so that you can independently and asynchronously compute the </a:t>
             </a:r>
             <a:r>
-              <a:rPr lang="en-US" i="1" dirty="0" smtClean="0"/>
+              <a:rPr lang="en-US" i="1" dirty="0"/>
               <a:t>usual</a:t>
             </a:r>
             <a:r>
-              <a:rPr lang="en-US" dirty="0" smtClean="0"/>
+              <a:rPr lang="en-US" dirty="0"/>
               <a:t> stats for a strategy</a:t>
             </a:r>
-            <a:endParaRPr lang="en-US" dirty="0"/>
           </a:p>
         </p:txBody>
       </p:sp>
@@ -5725,13 +5539,6 @@
   <p:clrMapOvr>
     <a:masterClrMapping/>
   </p:clrMapOvr>
-  <p:timing>
-    <p:tnLst>
-      <p:par>
-        <p:cTn id="1" dur="indefinite" restart="never" nodeType="tmRoot"/>
-      </p:par>
-    </p:tnLst>
-  </p:timing>
 </p:sld>
 </file>
 
@@ -5768,10 +5575,9 @@
           <a:lstStyle/>
           <a:p>
             <a:r>
-              <a:rPr lang="en-US" dirty="0" smtClean="0"/>
+              <a:rPr lang="en-US" dirty="0"/>
               <a:t>Alpha Processor</a:t>
             </a:r>
-            <a:endParaRPr lang="en-US" dirty="0"/>
           </a:p>
         </p:txBody>
       </p:sp>
@@ -5791,7 +5597,7 @@
           <a:lstStyle/>
           <a:p>
             <a:r>
-              <a:rPr lang="en-US" dirty="0" smtClean="0"/>
+              <a:rPr lang="en-US" dirty="0"/>
               <a:t>The Alpha Processor (AP) module receives from the alpha engines (AE) a set of signals</a:t>
             </a:r>
           </a:p>
@@ -5800,36 +5606,35 @@
               <a:buNone/>
             </a:pPr>
             <a:r>
-              <a:rPr lang="en-US" dirty="0" smtClean="0"/>
+              <a:rPr lang="en-US" dirty="0"/>
               <a:t>For given alpha and asset, the signal is be Long, Short or Flat</a:t>
             </a:r>
           </a:p>
           <a:p>
             <a:r>
-              <a:rPr lang="en-US" dirty="0" smtClean="0"/>
+              <a:rPr lang="en-US" dirty="0"/>
               <a:t>The AP looks up the Allocation Table which gives for a given alpha and asset a quantity X to be traded</a:t>
             </a:r>
           </a:p>
           <a:p>
             <a:pPr lvl="1"/>
             <a:r>
-              <a:rPr lang="en-US" dirty="0" smtClean="0"/>
+              <a:rPr lang="en-US" dirty="0"/>
               <a:t>X is expressed as a function of the asset </a:t>
             </a:r>
           </a:p>
           <a:p>
             <a:pPr lvl="1"/>
             <a:r>
-              <a:rPr lang="en-US" dirty="0" smtClean="0"/>
+              <a:rPr lang="en-US" dirty="0"/>
               <a:t>X can be a number of lots (shares), a number of millions (of a base currency in Fx) or a number of Futures</a:t>
             </a:r>
           </a:p>
           <a:p>
             <a:r>
-              <a:rPr lang="en-US" dirty="0" smtClean="0"/>
+              <a:rPr lang="en-US" dirty="0"/>
               <a:t>The AP looks up what is currently in inventory for this alpha and asset </a:t>
             </a:r>
-            <a:endParaRPr lang="en-US" dirty="0"/>
           </a:p>
         </p:txBody>
       </p:sp>
@@ -5843,13 +5648,6 @@
   <p:clrMapOvr>
     <a:masterClrMapping/>
   </p:clrMapOvr>
-  <p:timing>
-    <p:tnLst>
-      <p:par>
-        <p:cTn id="1" dur="indefinite" restart="never" nodeType="tmRoot"/>
-      </p:par>
-    </p:tnLst>
-  </p:timing>
 </p:sld>
 </file>
 
@@ -5886,26 +5684,21 @@
           <a:lstStyle/>
           <a:p>
             <a:r>
-              <a:rPr lang="en-US" dirty="0" smtClean="0"/>
-              <a:t>Sources of </a:t>
-            </a:r>
-            <a:r>
-              <a:rPr lang="en-US" dirty="0"/>
-              <a:t>Alpha in an </a:t>
+              <a:rPr lang="en-US" dirty="0"/>
+              <a:t>Sources of Alpha in an </a:t>
             </a:r>
             <a:r>
               <a:rPr lang="en-US" i="1" dirty="0"/>
               <a:t>efficient </a:t>
             </a:r>
             <a:r>
-              <a:rPr lang="en-US" dirty="0" smtClean="0"/>
+              <a:rPr lang="en-US" dirty="0"/>
               <a:t>market </a:t>
             </a:r>
             <a:r>
-              <a:rPr lang="en-US" sz="2000" dirty="0" smtClean="0"/>
+              <a:rPr lang="en-US" sz="2000" dirty="0"/>
               <a:t>by J. Loeys</a:t>
             </a:r>
-            <a:endParaRPr lang="en-US" sz="2000" dirty="0"/>
           </a:p>
         </p:txBody>
       </p:sp>
@@ -5972,13 +5765,6 @@
   <p:clrMapOvr>
     <a:masterClrMapping/>
   </p:clrMapOvr>
-  <p:timing>
-    <p:tnLst>
-      <p:par>
-        <p:cTn id="1" dur="indefinite" restart="never" nodeType="tmRoot"/>
-      </p:par>
-    </p:tnLst>
-  </p:timing>
 </p:sld>
 </file>
 
@@ -6016,45 +5802,40 @@
           <a:p>
             <a:r>
               <a:rPr lang="en-US" dirty="0"/>
-              <a:t>Alpha </a:t>
-            </a:r>
-            <a:r>
-              <a:rPr lang="en-US" dirty="0" smtClean="0"/>
-              <a:t>Processor ...</a:t>
-            </a:r>
+              <a:t>Alpha Processor ...</a:t>
+            </a:r>
+          </a:p>
+        </p:txBody>
+      </p:sp>
+      <p:sp>
+        <p:nvSpPr>
+          <p:cNvPr id="3" name="Content Placeholder 2"/>
+          <p:cNvSpPr>
+            <a:spLocks noGrp="1"/>
+          </p:cNvSpPr>
+          <p:nvPr>
+            <p:ph idx="1"/>
+          </p:nvPr>
+        </p:nvSpPr>
+        <p:spPr/>
+        <p:txBody>
+          <a:bodyPr/>
+          <a:lstStyle/>
+          <a:p>
+            <a:r>
+              <a:rPr lang="en-US" dirty="0"/>
+              <a:t>The AP then computes the diff (difference) between what is in inventory and what should be now in inventory based on the newly coming signal</a:t>
+            </a:r>
+          </a:p>
+          <a:p>
+            <a:pPr marL="0" indent="0">
+              <a:buNone/>
+            </a:pPr>
             <a:endParaRPr lang="en-US" dirty="0"/>
           </a:p>
-        </p:txBody>
-      </p:sp>
-      <p:sp>
-        <p:nvSpPr>
-          <p:cNvPr id="3" name="Content Placeholder 2"/>
-          <p:cNvSpPr>
-            <a:spLocks noGrp="1"/>
-          </p:cNvSpPr>
-          <p:nvPr>
-            <p:ph idx="1"/>
-          </p:nvPr>
-        </p:nvSpPr>
-        <p:spPr/>
-        <p:txBody>
-          <a:bodyPr/>
-          <a:lstStyle/>
-          <a:p>
-            <a:r>
-              <a:rPr lang="en-US" dirty="0" smtClean="0"/>
-              <a:t>The AP then computes the diff (difference) between what is in inventory and what should be now in inventory based on the newly coming signal</a:t>
-            </a:r>
-          </a:p>
-          <a:p>
-            <a:pPr marL="0" indent="0">
-              <a:buNone/>
-            </a:pPr>
-            <a:endParaRPr lang="en-US" dirty="0" smtClean="0"/>
-          </a:p>
-          <a:p>
-            <a:r>
-              <a:rPr lang="en-US" dirty="0" smtClean="0"/>
+          <a:p>
+            <a:r>
+              <a:rPr lang="en-US" dirty="0"/>
               <a:t>This delta is then the notional of the order to be executed in the market in response to the newly generate signal message</a:t>
             </a:r>
           </a:p>
@@ -6076,13 +5857,6 @@
   <p:clrMapOvr>
     <a:masterClrMapping/>
   </p:clrMapOvr>
-  <p:timing>
-    <p:tnLst>
-      <p:par>
-        <p:cTn id="1" dur="indefinite" restart="never" nodeType="tmRoot"/>
-      </p:par>
-    </p:tnLst>
-  </p:timing>
 </p:sld>
 </file>
 
@@ -6119,10 +5893,9 @@
           <a:lstStyle/>
           <a:p>
             <a:r>
-              <a:rPr lang="en-US" dirty="0" smtClean="0"/>
+              <a:rPr lang="en-US" dirty="0"/>
               <a:t>Alpha Processor ....</a:t>
             </a:r>
-            <a:endParaRPr lang="en-US" dirty="0"/>
           </a:p>
         </p:txBody>
       </p:sp>
@@ -6152,10 +5925,34 @@
                 <a:tableStyleId>{5C22544A-7EE6-4342-B048-85BDC9FD1C3A}</a:tableStyleId>
               </a:tblPr>
               <a:tblGrid>
-                <a:gridCol w="2628900"/>
-                <a:gridCol w="2628900"/>
-                <a:gridCol w="2628900"/>
-                <a:gridCol w="2628900"/>
+                <a:gridCol w="2628900">
+                  <a:extLst>
+                    <a:ext uri="{9D8B030D-6E8A-4147-A177-3AD203B41FA5}">
+                      <a16:colId xmlns:a16="http://schemas.microsoft.com/office/drawing/2014/main" val="20000"/>
+                    </a:ext>
+                  </a:extLst>
+                </a:gridCol>
+                <a:gridCol w="2628900">
+                  <a:extLst>
+                    <a:ext uri="{9D8B030D-6E8A-4147-A177-3AD203B41FA5}">
+                      <a16:colId xmlns:a16="http://schemas.microsoft.com/office/drawing/2014/main" val="20001"/>
+                    </a:ext>
+                  </a:extLst>
+                </a:gridCol>
+                <a:gridCol w="2628900">
+                  <a:extLst>
+                    <a:ext uri="{9D8B030D-6E8A-4147-A177-3AD203B41FA5}">
+                      <a16:colId xmlns:a16="http://schemas.microsoft.com/office/drawing/2014/main" val="20002"/>
+                    </a:ext>
+                  </a:extLst>
+                </a:gridCol>
+                <a:gridCol w="2628900">
+                  <a:extLst>
+                    <a:ext uri="{9D8B030D-6E8A-4147-A177-3AD203B41FA5}">
+                      <a16:colId xmlns:a16="http://schemas.microsoft.com/office/drawing/2014/main" val="20003"/>
+                    </a:ext>
+                  </a:extLst>
+                </a:gridCol>
               </a:tblGrid>
               <a:tr h="457597">
                 <a:tc>
@@ -6164,10 +5961,9 @@
                     <a:lstStyle/>
                     <a:p>
                       <a:r>
-                        <a:rPr lang="en-US" dirty="0" smtClean="0"/>
+                        <a:rPr lang="en-US" dirty="0"/>
                         <a:t>signal</a:t>
                       </a:r>
-                      <a:endParaRPr lang="en-US" dirty="0"/>
                     </a:p>
                   </a:txBody>
                   <a:tcPr/>
@@ -6178,10 +5974,9 @@
                     <a:lstStyle/>
                     <a:p>
                       <a:r>
-                        <a:rPr lang="en-US" dirty="0" smtClean="0"/>
+                        <a:rPr lang="en-US" dirty="0"/>
                         <a:t>allocation</a:t>
                       </a:r>
-                      <a:endParaRPr lang="en-US" dirty="0"/>
                     </a:p>
                   </a:txBody>
                   <a:tcPr/>
@@ -6192,10 +5987,9 @@
                     <a:lstStyle/>
                     <a:p>
                       <a:r>
-                        <a:rPr lang="en-US" dirty="0" smtClean="0"/>
+                        <a:rPr lang="en-US" dirty="0"/>
                         <a:t>inventory</a:t>
                       </a:r>
-                      <a:endParaRPr lang="en-US" dirty="0"/>
                     </a:p>
                   </a:txBody>
                   <a:tcPr/>
@@ -6206,14 +6000,18 @@
                     <a:lstStyle/>
                     <a:p>
                       <a:r>
-                        <a:rPr lang="en-US" dirty="0" smtClean="0"/>
+                        <a:rPr lang="en-US" dirty="0"/>
                         <a:t>order</a:t>
                       </a:r>
-                      <a:endParaRPr lang="en-US" dirty="0"/>
                     </a:p>
                   </a:txBody>
                   <a:tcPr/>
                 </a:tc>
+                <a:extLst>
+                  <a:ext uri="{0D108BD9-81ED-4DB2-BD59-A6C34878D82A}">
+                    <a16:rowId xmlns:a16="http://schemas.microsoft.com/office/drawing/2014/main" val="10000"/>
+                  </a:ext>
+                </a:extLst>
               </a:tr>
               <a:tr h="457597">
                 <a:tc>
@@ -6222,10 +6020,9 @@
                     <a:lstStyle/>
                     <a:p>
                       <a:r>
-                        <a:rPr lang="en-US" dirty="0" smtClean="0"/>
+                        <a:rPr lang="en-US" dirty="0"/>
                         <a:t>Long</a:t>
                       </a:r>
-                      <a:endParaRPr lang="en-US" dirty="0"/>
                     </a:p>
                   </a:txBody>
                   <a:tcPr/>
@@ -6236,10 +6033,9 @@
                     <a:lstStyle/>
                     <a:p>
                       <a:r>
-                        <a:rPr lang="en-US" dirty="0" smtClean="0"/>
+                        <a:rPr lang="en-US" dirty="0"/>
                         <a:t>X</a:t>
                       </a:r>
-                      <a:endParaRPr lang="en-US" dirty="0"/>
                     </a:p>
                   </a:txBody>
                   <a:tcPr/>
@@ -6250,10 +6046,9 @@
                     <a:lstStyle/>
                     <a:p>
                       <a:r>
-                        <a:rPr lang="en-US" dirty="0" smtClean="0"/>
+                        <a:rPr lang="en-US" dirty="0"/>
                         <a:t>+y</a:t>
                       </a:r>
-                      <a:endParaRPr lang="en-US" dirty="0"/>
                     </a:p>
                   </a:txBody>
                   <a:tcPr/>
@@ -6264,14 +6059,18 @@
                     <a:lstStyle/>
                     <a:p>
                       <a:r>
-                        <a:rPr lang="en-US" dirty="0" smtClean="0"/>
+                        <a:rPr lang="en-US" dirty="0"/>
                         <a:t>X-Y</a:t>
                       </a:r>
-                      <a:endParaRPr lang="en-US" dirty="0"/>
                     </a:p>
                   </a:txBody>
                   <a:tcPr/>
                 </a:tc>
+                <a:extLst>
+                  <a:ext uri="{0D108BD9-81ED-4DB2-BD59-A6C34878D82A}">
+                    <a16:rowId xmlns:a16="http://schemas.microsoft.com/office/drawing/2014/main" val="10001"/>
+                  </a:ext>
+                </a:extLst>
               </a:tr>
               <a:tr h="457597">
                 <a:tc>
@@ -6280,10 +6079,9 @@
                     <a:lstStyle/>
                     <a:p>
                       <a:r>
-                        <a:rPr lang="en-US" dirty="0" smtClean="0"/>
+                        <a:rPr lang="en-US" dirty="0"/>
                         <a:t>Long</a:t>
                       </a:r>
-                      <a:endParaRPr lang="en-US" dirty="0"/>
                     </a:p>
                   </a:txBody>
                   <a:tcPr/>
@@ -6294,10 +6092,9 @@
                     <a:lstStyle/>
                     <a:p>
                       <a:r>
-                        <a:rPr lang="en-US" dirty="0" smtClean="0"/>
+                        <a:rPr lang="en-US" dirty="0"/>
                         <a:t>X</a:t>
                       </a:r>
-                      <a:endParaRPr lang="en-US" dirty="0"/>
                     </a:p>
                   </a:txBody>
                   <a:tcPr/>
@@ -6308,10 +6105,9 @@
                     <a:lstStyle/>
                     <a:p>
                       <a:r>
-                        <a:rPr lang="en-US" dirty="0" smtClean="0"/>
+                        <a:rPr lang="en-US" dirty="0"/>
                         <a:t>-Y</a:t>
                       </a:r>
-                      <a:endParaRPr lang="en-US" dirty="0"/>
                     </a:p>
                   </a:txBody>
                   <a:tcPr/>
@@ -6322,14 +6118,18 @@
                     <a:lstStyle/>
                     <a:p>
                       <a:r>
-                        <a:rPr lang="en-US" dirty="0" smtClean="0"/>
+                        <a:rPr lang="en-US" dirty="0"/>
                         <a:t>X+Y</a:t>
                       </a:r>
-                      <a:endParaRPr lang="en-US" dirty="0"/>
                     </a:p>
                   </a:txBody>
                   <a:tcPr/>
                 </a:tc>
+                <a:extLst>
+                  <a:ext uri="{0D108BD9-81ED-4DB2-BD59-A6C34878D82A}">
+                    <a16:rowId xmlns:a16="http://schemas.microsoft.com/office/drawing/2014/main" val="10002"/>
+                  </a:ext>
+                </a:extLst>
               </a:tr>
               <a:tr h="457597">
                 <a:tc>
@@ -6338,10 +6138,9 @@
                     <a:lstStyle/>
                     <a:p>
                       <a:r>
-                        <a:rPr lang="en-US" dirty="0" smtClean="0"/>
+                        <a:rPr lang="en-US" dirty="0"/>
                         <a:t>Long</a:t>
                       </a:r>
-                      <a:endParaRPr lang="en-US" dirty="0"/>
                     </a:p>
                   </a:txBody>
                   <a:tcPr/>
@@ -6352,10 +6151,9 @@
                     <a:lstStyle/>
                     <a:p>
                       <a:r>
-                        <a:rPr lang="en-US" dirty="0" smtClean="0"/>
+                        <a:rPr lang="en-US" dirty="0"/>
                         <a:t>0</a:t>
                       </a:r>
-                      <a:endParaRPr lang="en-US" dirty="0"/>
                     </a:p>
                   </a:txBody>
                   <a:tcPr/>
@@ -6366,10 +6164,9 @@
                     <a:lstStyle/>
                     <a:p>
                       <a:r>
-                        <a:rPr lang="en-US" dirty="0" smtClean="0"/>
+                        <a:rPr lang="en-US" dirty="0"/>
                         <a:t>-Y</a:t>
                       </a:r>
-                      <a:endParaRPr lang="en-US" dirty="0"/>
                     </a:p>
                   </a:txBody>
                   <a:tcPr/>
@@ -6380,14 +6177,18 @@
                     <a:lstStyle/>
                     <a:p>
                       <a:r>
-                        <a:rPr lang="en-US" dirty="0" smtClean="0"/>
+                        <a:rPr lang="en-US" dirty="0"/>
                         <a:t>Y</a:t>
                       </a:r>
-                      <a:endParaRPr lang="en-US" dirty="0"/>
                     </a:p>
                   </a:txBody>
                   <a:tcPr/>
                 </a:tc>
+                <a:extLst>
+                  <a:ext uri="{0D108BD9-81ED-4DB2-BD59-A6C34878D82A}">
+                    <a16:rowId xmlns:a16="http://schemas.microsoft.com/office/drawing/2014/main" val="10003"/>
+                  </a:ext>
+                </a:extLst>
               </a:tr>
               <a:tr h="457597">
                 <a:tc>
@@ -6396,10 +6197,9 @@
                     <a:lstStyle/>
                     <a:p>
                       <a:r>
-                        <a:rPr lang="en-US" dirty="0" smtClean="0"/>
+                        <a:rPr lang="en-US" dirty="0"/>
                         <a:t>Flat</a:t>
                       </a:r>
-                      <a:endParaRPr lang="en-US" dirty="0"/>
                     </a:p>
                   </a:txBody>
                   <a:tcPr/>
@@ -6410,10 +6210,9 @@
                     <a:lstStyle/>
                     <a:p>
                       <a:r>
-                        <a:rPr lang="en-US" dirty="0" smtClean="0"/>
+                        <a:rPr lang="en-US" dirty="0"/>
                         <a:t>X</a:t>
                       </a:r>
-                      <a:endParaRPr lang="en-US" dirty="0"/>
                     </a:p>
                   </a:txBody>
                   <a:tcPr/>
@@ -6424,10 +6223,9 @@
                     <a:lstStyle/>
                     <a:p>
                       <a:r>
-                        <a:rPr lang="en-US" dirty="0" smtClean="0"/>
+                        <a:rPr lang="en-US" dirty="0"/>
                         <a:t>0</a:t>
                       </a:r>
-                      <a:endParaRPr lang="en-US" dirty="0"/>
                     </a:p>
                   </a:txBody>
                   <a:tcPr/>
@@ -6438,14 +6236,18 @@
                     <a:lstStyle/>
                     <a:p>
                       <a:r>
-                        <a:rPr lang="en-US" dirty="0" smtClean="0"/>
+                        <a:rPr lang="en-US" dirty="0"/>
                         <a:t>0</a:t>
                       </a:r>
-                      <a:endParaRPr lang="en-US" dirty="0"/>
                     </a:p>
                   </a:txBody>
                   <a:tcPr/>
                 </a:tc>
+                <a:extLst>
+                  <a:ext uri="{0D108BD9-81ED-4DB2-BD59-A6C34878D82A}">
+                    <a16:rowId xmlns:a16="http://schemas.microsoft.com/office/drawing/2014/main" val="10004"/>
+                  </a:ext>
+                </a:extLst>
               </a:tr>
               <a:tr h="457597">
                 <a:tc>
@@ -6454,10 +6256,9 @@
                     <a:lstStyle/>
                     <a:p>
                       <a:r>
-                        <a:rPr lang="en-US" dirty="0" smtClean="0"/>
+                        <a:rPr lang="en-US" dirty="0"/>
                         <a:t>Flat</a:t>
                       </a:r>
-                      <a:endParaRPr lang="en-US" dirty="0"/>
                     </a:p>
                   </a:txBody>
                   <a:tcPr/>
@@ -6468,10 +6269,9 @@
                     <a:lstStyle/>
                     <a:p>
                       <a:r>
-                        <a:rPr lang="en-US" dirty="0" smtClean="0"/>
+                        <a:rPr lang="en-US" dirty="0"/>
                         <a:t>X</a:t>
                       </a:r>
-                      <a:endParaRPr lang="en-US" dirty="0"/>
                     </a:p>
                   </a:txBody>
                   <a:tcPr/>
@@ -6482,10 +6282,9 @@
                     <a:lstStyle/>
                     <a:p>
                       <a:r>
-                        <a:rPr lang="en-US" dirty="0" smtClean="0"/>
+                        <a:rPr lang="en-US" dirty="0"/>
                         <a:t>Y</a:t>
                       </a:r>
-                      <a:endParaRPr lang="en-US" dirty="0"/>
                     </a:p>
                   </a:txBody>
                   <a:tcPr/>
@@ -6496,14 +6295,18 @@
                     <a:lstStyle/>
                     <a:p>
                       <a:r>
-                        <a:rPr lang="en-US" dirty="0" smtClean="0"/>
+                        <a:rPr lang="en-US" dirty="0"/>
                         <a:t>-Y</a:t>
                       </a:r>
-                      <a:endParaRPr lang="en-US" dirty="0"/>
                     </a:p>
                   </a:txBody>
                   <a:tcPr/>
                 </a:tc>
+                <a:extLst>
+                  <a:ext uri="{0D108BD9-81ED-4DB2-BD59-A6C34878D82A}">
+                    <a16:rowId xmlns:a16="http://schemas.microsoft.com/office/drawing/2014/main" val="10005"/>
+                  </a:ext>
+                </a:extLst>
               </a:tr>
               <a:tr h="457597">
                 <a:tc>
@@ -6512,10 +6315,9 @@
                     <a:lstStyle/>
                     <a:p>
                       <a:r>
-                        <a:rPr lang="en-US" dirty="0" smtClean="0"/>
+                        <a:rPr lang="en-US" dirty="0"/>
                         <a:t>Flat</a:t>
                       </a:r>
-                      <a:endParaRPr lang="en-US" dirty="0"/>
                     </a:p>
                   </a:txBody>
                   <a:tcPr/>
@@ -6526,10 +6328,9 @@
                     <a:lstStyle/>
                     <a:p>
                       <a:r>
-                        <a:rPr lang="en-US" dirty="0" smtClean="0"/>
+                        <a:rPr lang="en-US" dirty="0"/>
                         <a:t>0</a:t>
                       </a:r>
-                      <a:endParaRPr lang="en-US" dirty="0"/>
                     </a:p>
                   </a:txBody>
                   <a:tcPr/>
@@ -6540,10 +6341,9 @@
                     <a:lstStyle/>
                     <a:p>
                       <a:r>
-                        <a:rPr lang="en-US" dirty="0" smtClean="0"/>
+                        <a:rPr lang="en-US" dirty="0"/>
                         <a:t>0</a:t>
                       </a:r>
-                      <a:endParaRPr lang="en-US" dirty="0"/>
                     </a:p>
                   </a:txBody>
                   <a:tcPr/>
@@ -6554,14 +6354,18 @@
                     <a:lstStyle/>
                     <a:p>
                       <a:r>
-                        <a:rPr lang="en-US" dirty="0" smtClean="0"/>
+                        <a:rPr lang="en-US" dirty="0"/>
                         <a:t>0</a:t>
                       </a:r>
-                      <a:endParaRPr lang="en-US" dirty="0"/>
                     </a:p>
                   </a:txBody>
                   <a:tcPr/>
                 </a:tc>
+                <a:extLst>
+                  <a:ext uri="{0D108BD9-81ED-4DB2-BD59-A6C34878D82A}">
+                    <a16:rowId xmlns:a16="http://schemas.microsoft.com/office/drawing/2014/main" val="10006"/>
+                  </a:ext>
+                </a:extLst>
               </a:tr>
               <a:tr h="457597">
                 <a:tc>
@@ -6570,10 +6374,9 @@
                     <a:lstStyle/>
                     <a:p>
                       <a:r>
-                        <a:rPr lang="en-US" dirty="0" smtClean="0"/>
+                        <a:rPr lang="en-US" dirty="0"/>
                         <a:t>Short</a:t>
                       </a:r>
-                      <a:endParaRPr lang="en-US" dirty="0"/>
                     </a:p>
                   </a:txBody>
                   <a:tcPr/>
@@ -6584,10 +6387,9 @@
                     <a:lstStyle/>
                     <a:p>
                       <a:r>
-                        <a:rPr lang="en-US" dirty="0" smtClean="0"/>
+                        <a:rPr lang="en-US" dirty="0"/>
                         <a:t>X</a:t>
                       </a:r>
-                      <a:endParaRPr lang="en-US" dirty="0"/>
                     </a:p>
                   </a:txBody>
                   <a:tcPr/>
@@ -6598,10 +6400,9 @@
                     <a:lstStyle/>
                     <a:p>
                       <a:r>
-                        <a:rPr lang="en-US" dirty="0" smtClean="0"/>
+                        <a:rPr lang="en-US" dirty="0"/>
                         <a:t>Y</a:t>
                       </a:r>
-                      <a:endParaRPr lang="en-US" dirty="0"/>
                     </a:p>
                   </a:txBody>
                   <a:tcPr/>
@@ -6612,14 +6413,18 @@
                     <a:lstStyle/>
                     <a:p>
                       <a:r>
-                        <a:rPr lang="en-US" dirty="0" smtClean="0"/>
+                        <a:rPr lang="en-US" dirty="0"/>
                         <a:t>-X-Y</a:t>
                       </a:r>
-                      <a:endParaRPr lang="en-US" dirty="0"/>
                     </a:p>
                   </a:txBody>
                   <a:tcPr/>
                 </a:tc>
+                <a:extLst>
+                  <a:ext uri="{0D108BD9-81ED-4DB2-BD59-A6C34878D82A}">
+                    <a16:rowId xmlns:a16="http://schemas.microsoft.com/office/drawing/2014/main" val="10007"/>
+                  </a:ext>
+                </a:extLst>
               </a:tr>
               <a:tr h="457597">
                 <a:tc>
@@ -6628,10 +6433,9 @@
                     <a:lstStyle/>
                     <a:p>
                       <a:r>
-                        <a:rPr lang="en-US" dirty="0" smtClean="0"/>
+                        <a:rPr lang="en-US" dirty="0"/>
                         <a:t>Short</a:t>
                       </a:r>
-                      <a:endParaRPr lang="en-US" dirty="0"/>
                     </a:p>
                   </a:txBody>
                   <a:tcPr/>
@@ -6642,10 +6446,9 @@
                     <a:lstStyle/>
                     <a:p>
                       <a:r>
-                        <a:rPr lang="en-US" dirty="0" smtClean="0"/>
+                        <a:rPr lang="en-US" dirty="0"/>
                         <a:t>X</a:t>
                       </a:r>
-                      <a:endParaRPr lang="en-US" dirty="0"/>
                     </a:p>
                   </a:txBody>
                   <a:tcPr/>
@@ -6656,10 +6459,9 @@
                     <a:lstStyle/>
                     <a:p>
                       <a:r>
-                        <a:rPr lang="en-US" dirty="0" smtClean="0"/>
+                        <a:rPr lang="en-US" dirty="0"/>
                         <a:t>0</a:t>
                       </a:r>
-                      <a:endParaRPr lang="en-US" dirty="0"/>
                     </a:p>
                   </a:txBody>
                   <a:tcPr/>
@@ -6670,14 +6472,18 @@
                     <a:lstStyle/>
                     <a:p>
                       <a:r>
-                        <a:rPr lang="en-US" dirty="0" smtClean="0"/>
+                        <a:rPr lang="en-US" dirty="0"/>
                         <a:t>-X</a:t>
                       </a:r>
-                      <a:endParaRPr lang="en-US" dirty="0"/>
                     </a:p>
                   </a:txBody>
                   <a:tcPr/>
                 </a:tc>
+                <a:extLst>
+                  <a:ext uri="{0D108BD9-81ED-4DB2-BD59-A6C34878D82A}">
+                    <a16:rowId xmlns:a16="http://schemas.microsoft.com/office/drawing/2014/main" val="10008"/>
+                  </a:ext>
+                </a:extLst>
               </a:tr>
               <a:tr h="457597">
                 <a:tc>
@@ -6686,10 +6492,9 @@
                     <a:lstStyle/>
                     <a:p>
                       <a:r>
-                        <a:rPr lang="en-US" dirty="0" smtClean="0"/>
+                        <a:rPr lang="en-US" dirty="0"/>
                         <a:t>Short</a:t>
                       </a:r>
-                      <a:endParaRPr lang="en-US" dirty="0"/>
                     </a:p>
                   </a:txBody>
                   <a:tcPr/>
@@ -6700,10 +6505,9 @@
                     <a:lstStyle/>
                     <a:p>
                       <a:r>
-                        <a:rPr lang="en-US" dirty="0" smtClean="0"/>
+                        <a:rPr lang="en-US" dirty="0"/>
                         <a:t>0</a:t>
                       </a:r>
-                      <a:endParaRPr lang="en-US" dirty="0"/>
                     </a:p>
                   </a:txBody>
                   <a:tcPr/>
@@ -6714,10 +6518,9 @@
                     <a:lstStyle/>
                     <a:p>
                       <a:r>
-                        <a:rPr lang="en-US" dirty="0" smtClean="0"/>
+                        <a:rPr lang="en-US" dirty="0"/>
                         <a:t>-Y</a:t>
                       </a:r>
-                      <a:endParaRPr lang="en-US" dirty="0"/>
                     </a:p>
                   </a:txBody>
                   <a:tcPr/>
@@ -6728,14 +6531,18 @@
                     <a:lstStyle/>
                     <a:p>
                       <a:r>
-                        <a:rPr lang="en-US" dirty="0" smtClean="0"/>
+                        <a:rPr lang="en-US" dirty="0"/>
                         <a:t>Y</a:t>
                       </a:r>
-                      <a:endParaRPr lang="en-US" dirty="0"/>
                     </a:p>
                   </a:txBody>
                   <a:tcPr/>
                 </a:tc>
+                <a:extLst>
+                  <a:ext uri="{0D108BD9-81ED-4DB2-BD59-A6C34878D82A}">
+                    <a16:rowId xmlns:a16="http://schemas.microsoft.com/office/drawing/2014/main" val="10009"/>
+                  </a:ext>
+                </a:extLst>
               </a:tr>
             </a:tbl>
           </a:graphicData>
@@ -6751,13 +6558,6 @@
   <p:clrMapOvr>
     <a:masterClrMapping/>
   </p:clrMapOvr>
-  <p:timing>
-    <p:tnLst>
-      <p:par>
-        <p:cTn id="1" dur="indefinite" restart="never" nodeType="tmRoot"/>
-      </p:par>
-    </p:tnLst>
-  </p:timing>
 </p:sld>
 </file>
 
@@ -6794,10 +6594,9 @@
           <a:lstStyle/>
           <a:p>
             <a:r>
-              <a:rPr lang="en-US" dirty="0" smtClean="0"/>
+              <a:rPr lang="en-US" dirty="0"/>
               <a:t>Alpha Processor ....</a:t>
             </a:r>
-            <a:endParaRPr lang="en-US" dirty="0"/>
           </a:p>
         </p:txBody>
       </p:sp>
@@ -6822,7 +6621,7 @@
               <a:buNone/>
             </a:pPr>
             <a:r>
-              <a:rPr lang="en-US" dirty="0" smtClean="0"/>
+              <a:rPr lang="en-US" dirty="0"/>
               <a:t>In general, an order (if any) is genetared with for notional</a:t>
             </a:r>
           </a:p>
@@ -6832,11 +6631,7 @@
             </a:pPr>
             <a:r>
               <a:rPr lang="en-US" dirty="0"/>
-              <a:t>	</a:t>
-            </a:r>
-            <a:r>
-              <a:rPr lang="en-US" dirty="0" smtClean="0"/>
-              <a:t>Signal*(X-Y)</a:t>
+              <a:t>	Signal*(X-Y)</a:t>
             </a:r>
           </a:p>
           <a:p>
@@ -6844,7 +6639,7 @@
               <a:buNone/>
             </a:pPr>
             <a:r>
-              <a:rPr lang="en-US" dirty="0" smtClean="0"/>
+              <a:rPr lang="en-US" dirty="0"/>
               <a:t>Where Signal is +1 if Long, 0 if Flat and -1 if Short</a:t>
             </a:r>
           </a:p>
@@ -6853,7 +6648,7 @@
               <a:buNone/>
             </a:pPr>
             <a:r>
-              <a:rPr lang="en-US" dirty="0" smtClean="0"/>
+              <a:rPr lang="en-US" dirty="0"/>
               <a:t>X is allocated notional – always postive</a:t>
             </a:r>
           </a:p>
@@ -6862,7 +6657,7 @@
               <a:buNone/>
             </a:pPr>
             <a:r>
-              <a:rPr lang="en-US" dirty="0" smtClean="0"/>
+              <a:rPr lang="en-US" dirty="0"/>
               <a:t>Y is the current inventory, expressed in the same unit as X. Y is signed. A negative number reflects a short position in the asset in inventory, a positive number a long position in inventory</a:t>
             </a:r>
           </a:p>
@@ -6877,10 +6672,9 @@
               <a:buNone/>
             </a:pPr>
             <a:r>
-              <a:rPr lang="en-US" dirty="0" smtClean="0"/>
+              <a:rPr lang="en-US" dirty="0"/>
               <a:t>Once Order(s) executed then Inventory in absolute term should be no more than X </a:t>
             </a:r>
-            <a:endParaRPr lang="en-US" dirty="0"/>
           </a:p>
         </p:txBody>
       </p:sp>
@@ -6894,13 +6688,6 @@
   <p:clrMapOvr>
     <a:masterClrMapping/>
   </p:clrMapOvr>
-  <p:timing>
-    <p:tnLst>
-      <p:par>
-        <p:cTn id="1" dur="indefinite" restart="never" nodeType="tmRoot"/>
-      </p:par>
-    </p:tnLst>
-  </p:timing>
 </p:sld>
 </file>
 
@@ -6937,73 +6724,71 @@
           <a:lstStyle/>
           <a:p>
             <a:r>
-              <a:rPr lang="en-US" dirty="0" smtClean="0"/>
+              <a:rPr lang="en-US" dirty="0"/>
               <a:t>Limit Server</a:t>
             </a:r>
+          </a:p>
+        </p:txBody>
+      </p:sp>
+      <p:sp>
+        <p:nvSpPr>
+          <p:cNvPr id="3" name="Content Placeholder 2"/>
+          <p:cNvSpPr>
+            <a:spLocks noGrp="1"/>
+          </p:cNvSpPr>
+          <p:nvPr>
+            <p:ph idx="1"/>
+          </p:nvPr>
+        </p:nvSpPr>
+        <p:spPr/>
+        <p:txBody>
+          <a:bodyPr/>
+          <a:lstStyle/>
+          <a:p>
+            <a:pPr marL="0" indent="0">
+              <a:buNone/>
+            </a:pPr>
+            <a:r>
+              <a:rPr lang="en-US" dirty="0"/>
+              <a:t>(Some) Risks associated w/ electronic automatic execution</a:t>
+            </a:r>
+          </a:p>
+          <a:p>
+            <a:pPr marL="0" indent="0">
+              <a:buNone/>
+            </a:pPr>
             <a:endParaRPr lang="en-US" dirty="0"/>
           </a:p>
-        </p:txBody>
-      </p:sp>
-      <p:sp>
-        <p:nvSpPr>
-          <p:cNvPr id="3" name="Content Placeholder 2"/>
-          <p:cNvSpPr>
-            <a:spLocks noGrp="1"/>
-          </p:cNvSpPr>
-          <p:nvPr>
-            <p:ph idx="1"/>
-          </p:nvPr>
-        </p:nvSpPr>
-        <p:spPr/>
-        <p:txBody>
-          <a:bodyPr/>
-          <a:lstStyle/>
-          <a:p>
-            <a:pPr marL="0" indent="0">
+          <a:p>
+            <a:pPr lvl="1"/>
+            <a:r>
+              <a:rPr lang="en-US" dirty="0"/>
+              <a:t>Run-away system</a:t>
+            </a:r>
+          </a:p>
+          <a:p>
+            <a:pPr lvl="1"/>
+            <a:endParaRPr lang="en-US" dirty="0"/>
+          </a:p>
+          <a:p>
+            <a:pPr lvl="1"/>
+            <a:r>
+              <a:rPr lang="en-US" dirty="0"/>
+              <a:t>Oscillating system</a:t>
+            </a:r>
+          </a:p>
+          <a:p>
+            <a:pPr marL="457200" lvl="1" indent="0">
               <a:buNone/>
             </a:pPr>
-            <a:r>
-              <a:rPr lang="en-US" dirty="0" smtClean="0"/>
-              <a:t>(Some) Risks associated w/ electronic automatic execution</a:t>
-            </a:r>
-          </a:p>
-          <a:p>
-            <a:pPr marL="0" indent="0">
-              <a:buNone/>
-            </a:pPr>
-            <a:endParaRPr lang="en-US" dirty="0" smtClean="0"/>
+            <a:endParaRPr lang="en-US" dirty="0"/>
           </a:p>
           <a:p>
             <a:pPr lvl="1"/>
             <a:r>
-              <a:rPr lang="en-US" dirty="0" smtClean="0"/>
-              <a:t>Run-away system</a:t>
-            </a:r>
-          </a:p>
-          <a:p>
-            <a:pPr lvl="1"/>
-            <a:endParaRPr lang="en-US" dirty="0" smtClean="0"/>
-          </a:p>
-          <a:p>
-            <a:pPr lvl="1"/>
-            <a:r>
-              <a:rPr lang="en-US" dirty="0" smtClean="0"/>
-              <a:t>Oscillating system</a:t>
-            </a:r>
-          </a:p>
-          <a:p>
-            <a:pPr marL="457200" lvl="1" indent="0">
-              <a:buNone/>
-            </a:pPr>
-            <a:endParaRPr lang="en-US" dirty="0" smtClean="0"/>
-          </a:p>
-          <a:p>
-            <a:pPr lvl="1"/>
-            <a:r>
-              <a:rPr lang="en-US" dirty="0" smtClean="0"/>
+              <a:rPr lang="en-US" dirty="0"/>
               <a:t>Over-sized trades</a:t>
             </a:r>
-            <a:endParaRPr lang="en-US" dirty="0"/>
           </a:p>
         </p:txBody>
       </p:sp>
@@ -7017,13 +6802,6 @@
   <p:clrMapOvr>
     <a:masterClrMapping/>
   </p:clrMapOvr>
-  <p:timing>
-    <p:tnLst>
-      <p:par>
-        <p:cTn id="1" dur="indefinite" restart="never" nodeType="tmRoot"/>
-      </p:par>
-    </p:tnLst>
-  </p:timing>
 </p:sld>
 </file>
 
@@ -7060,10 +6838,9 @@
           <a:lstStyle/>
           <a:p>
             <a:r>
-              <a:rPr lang="en-US" dirty="0" smtClean="0"/>
+              <a:rPr lang="en-US" dirty="0"/>
               <a:t>Protection and Limits</a:t>
             </a:r>
-            <a:endParaRPr lang="en-US" dirty="0"/>
           </a:p>
         </p:txBody>
       </p:sp>
@@ -7085,34 +6862,34 @@
           <a:lstStyle/>
           <a:p>
             <a:r>
-              <a:rPr lang="en-US" dirty="0" smtClean="0"/>
+              <a:rPr lang="en-US" dirty="0"/>
               <a:t>Limit on number of trades over a short and a long period of time</a:t>
             </a:r>
           </a:p>
           <a:p>
-            <a:endParaRPr lang="en-US" dirty="0" smtClean="0"/>
-          </a:p>
-          <a:p>
-            <a:r>
-              <a:rPr lang="en-US" dirty="0" smtClean="0"/>
+            <a:endParaRPr lang="en-US" dirty="0"/>
+          </a:p>
+          <a:p>
+            <a:r>
+              <a:rPr lang="en-US" dirty="0"/>
               <a:t>Limit on volume traded over a short and a long period of time</a:t>
             </a:r>
           </a:p>
           <a:p>
-            <a:endParaRPr lang="en-US" dirty="0" smtClean="0"/>
-          </a:p>
-          <a:p>
-            <a:r>
-              <a:rPr lang="en-US" dirty="0" smtClean="0"/>
+            <a:endParaRPr lang="en-US" dirty="0"/>
+          </a:p>
+          <a:p>
+            <a:r>
+              <a:rPr lang="en-US" dirty="0"/>
               <a:t>Limit on outrigt position acquired at any given time</a:t>
             </a:r>
           </a:p>
           <a:p>
-            <a:endParaRPr lang="en-US" dirty="0" smtClean="0"/>
-          </a:p>
-          <a:p>
-            <a:r>
-              <a:rPr lang="en-US" dirty="0" smtClean="0"/>
+            <a:endParaRPr lang="en-US" dirty="0"/>
+          </a:p>
+          <a:p>
+            <a:r>
+              <a:rPr lang="en-US" dirty="0"/>
               <a:t>Limit on negative PnL experienced over a short and long period of time</a:t>
             </a:r>
           </a:p>
@@ -7121,10 +6898,9 @@
               <a:buNone/>
             </a:pPr>
             <a:r>
-              <a:rPr lang="en-US" dirty="0" smtClean="0"/>
+              <a:rPr lang="en-US" dirty="0"/>
               <a:t> </a:t>
             </a:r>
-            <a:endParaRPr lang="en-US" dirty="0"/>
           </a:p>
         </p:txBody>
       </p:sp>
@@ -7138,13 +6914,6 @@
   <p:clrMapOvr>
     <a:masterClrMapping/>
   </p:clrMapOvr>
-  <p:timing>
-    <p:tnLst>
-      <p:par>
-        <p:cTn id="1" dur="indefinite" restart="never" nodeType="tmRoot"/>
-      </p:par>
-    </p:tnLst>
-  </p:timing>
 </p:sld>
 </file>
 
@@ -7181,10 +6950,9 @@
           <a:lstStyle/>
           <a:p>
             <a:r>
-              <a:rPr lang="en-US" dirty="0" smtClean="0"/>
+              <a:rPr lang="en-US" dirty="0"/>
               <a:t>Protection and Limits (continued)</a:t>
             </a:r>
-            <a:endParaRPr lang="en-US" dirty="0"/>
           </a:p>
         </p:txBody>
       </p:sp>
@@ -7207,7 +6975,7 @@
               <a:buNone/>
             </a:pPr>
             <a:r>
-              <a:rPr lang="en-US" dirty="0" smtClean="0"/>
+              <a:rPr lang="en-US" dirty="0"/>
               <a:t>What are the short and log periods of time</a:t>
             </a:r>
           </a:p>
@@ -7217,11 +6985,7 @@
             </a:pPr>
             <a:r>
               <a:rPr lang="en-US" dirty="0"/>
-              <a:t>	</a:t>
-            </a:r>
-            <a:r>
-              <a:rPr lang="en-US" dirty="0" smtClean="0"/>
-              <a:t>typically and it will depend of your algo</a:t>
+              <a:t>	typically and it will depend of your algo</a:t>
             </a:r>
           </a:p>
           <a:p>
@@ -7230,11 +6994,7 @@
             </a:pPr>
             <a:r>
               <a:rPr lang="en-US" dirty="0"/>
-              <a:t>	</a:t>
-            </a:r>
-            <a:r>
-              <a:rPr lang="en-US" dirty="0" smtClean="0"/>
-              <a:t>but lets assume a short period to be a few minutes</a:t>
+              <a:t>	but lets assume a short period to be a few minutes</a:t>
             </a:r>
           </a:p>
           <a:p>
@@ -7243,13 +7003,8 @@
             </a:pPr>
             <a:r>
               <a:rPr lang="en-US" dirty="0"/>
-              <a:t>	</a:t>
-            </a:r>
-            <a:r>
-              <a:rPr lang="en-US" dirty="0" smtClean="0"/>
-              <a:t>and a long period a few hours</a:t>
-            </a:r>
-            <a:endParaRPr lang="en-US" dirty="0"/>
+              <a:t>	and a long period a few hours</a:t>
+            </a:r>
           </a:p>
         </p:txBody>
       </p:sp>
@@ -7263,13 +7018,6 @@
   <p:clrMapOvr>
     <a:masterClrMapping/>
   </p:clrMapOvr>
-  <p:timing>
-    <p:tnLst>
-      <p:par>
-        <p:cTn id="1" dur="indefinite" restart="never" nodeType="tmRoot"/>
-      </p:par>
-    </p:tnLst>
-  </p:timing>
 </p:sld>
 </file>
 
@@ -7306,62 +7054,60 @@
           <a:lstStyle/>
           <a:p>
             <a:r>
-              <a:rPr lang="en-US" dirty="0" smtClean="0"/>
+              <a:rPr lang="en-US" dirty="0"/>
               <a:t>Monitoring, Alerts and Alarms</a:t>
             </a:r>
+          </a:p>
+        </p:txBody>
+      </p:sp>
+      <p:sp>
+        <p:nvSpPr>
+          <p:cNvPr id="3" name="Content Placeholder 2"/>
+          <p:cNvSpPr>
+            <a:spLocks noGrp="1"/>
+          </p:cNvSpPr>
+          <p:nvPr>
+            <p:ph idx="1"/>
+          </p:nvPr>
+        </p:nvSpPr>
+        <p:spPr/>
+        <p:txBody>
+          <a:bodyPr/>
+          <a:lstStyle/>
+          <a:p>
+            <a:pPr marL="0" indent="0">
+              <a:buNone/>
+            </a:pPr>
+            <a:r>
+              <a:rPr lang="en-US" dirty="0"/>
+              <a:t>A run-away system is a system which issues constantly and quickly and wrongly a large number of orders </a:t>
+            </a:r>
+          </a:p>
+          <a:p>
+            <a:pPr marL="0" indent="0">
+              <a:buNone/>
+            </a:pPr>
             <a:endParaRPr lang="en-US" dirty="0"/>
           </a:p>
-        </p:txBody>
-      </p:sp>
-      <p:sp>
-        <p:nvSpPr>
-          <p:cNvPr id="3" name="Content Placeholder 2"/>
-          <p:cNvSpPr>
-            <a:spLocks noGrp="1"/>
-          </p:cNvSpPr>
-          <p:nvPr>
-            <p:ph idx="1"/>
-          </p:nvPr>
-        </p:nvSpPr>
-        <p:spPr/>
-        <p:txBody>
-          <a:bodyPr/>
-          <a:lstStyle/>
-          <a:p>
-            <a:pPr marL="0" indent="0">
+          <a:p>
+            <a:pPr lvl="1"/>
+            <a:r>
+              <a:rPr lang="en-US" dirty="0"/>
+              <a:t>One reason can be a endless loop in the Alpha Processor</a:t>
+            </a:r>
+          </a:p>
+          <a:p>
+            <a:pPr marL="457200" lvl="1" indent="0">
               <a:buNone/>
             </a:pPr>
-            <a:r>
-              <a:rPr lang="en-US" dirty="0" smtClean="0"/>
-              <a:t>A run-away system is a system which issues constantly and quickly and wrongly a large number of orders </a:t>
-            </a:r>
-          </a:p>
-          <a:p>
-            <a:pPr marL="0" indent="0">
-              <a:buNone/>
-            </a:pPr>
-            <a:endParaRPr lang="en-US" dirty="0" smtClean="0"/>
+            <a:endParaRPr lang="en-US" dirty="0"/>
           </a:p>
           <a:p>
             <a:pPr lvl="1"/>
             <a:r>
-              <a:rPr lang="en-US" dirty="0" smtClean="0"/>
-              <a:t>One reason can be a endless loop in the Alpha Processor</a:t>
-            </a:r>
-          </a:p>
-          <a:p>
-            <a:pPr marL="457200" lvl="1" indent="0">
-              <a:buNone/>
-            </a:pPr>
-            <a:endParaRPr lang="en-US" dirty="0" smtClean="0"/>
-          </a:p>
-          <a:p>
-            <a:pPr lvl="1"/>
-            <a:r>
-              <a:rPr lang="en-US" dirty="0" smtClean="0"/>
+              <a:rPr lang="en-US" dirty="0"/>
               <a:t>Another reason can be that the executed order (filled) does not make it to your inventory system at all or in a timely fashion and therefore your system does not find the inventory upda</a:t>
             </a:r>
-            <a:endParaRPr lang="en-US" dirty="0"/>
           </a:p>
         </p:txBody>
       </p:sp>
@@ -7375,13 +7121,6 @@
   <p:clrMapOvr>
     <a:masterClrMapping/>
   </p:clrMapOvr>
-  <p:timing>
-    <p:tnLst>
-      <p:par>
-        <p:cTn id="1" dur="indefinite" restart="never" nodeType="tmRoot"/>
-      </p:par>
-    </p:tnLst>
-  </p:timing>
 </p:sld>
 </file>
 
@@ -7418,60 +7157,58 @@
           <a:lstStyle/>
           <a:p>
             <a:r>
-              <a:rPr lang="en-US" dirty="0" smtClean="0"/>
+              <a:rPr lang="en-US" dirty="0"/>
               <a:t>An Oscillating System</a:t>
             </a:r>
+          </a:p>
+        </p:txBody>
+      </p:sp>
+      <p:sp>
+        <p:nvSpPr>
+          <p:cNvPr id="3" name="Content Placeholder 2"/>
+          <p:cNvSpPr>
+            <a:spLocks noGrp="1"/>
+          </p:cNvSpPr>
+          <p:nvPr>
+            <p:ph idx="1"/>
+          </p:nvPr>
+        </p:nvSpPr>
+        <p:spPr/>
+        <p:txBody>
+          <a:bodyPr/>
+          <a:lstStyle/>
+          <a:p>
+            <a:pPr marL="0" indent="0">
+              <a:buNone/>
+            </a:pPr>
+            <a:r>
+              <a:rPr lang="en-US" dirty="0"/>
+              <a:t>An oscillating system – buy and sell occur one after the other (endlessly...)</a:t>
+            </a:r>
+          </a:p>
+          <a:p>
+            <a:pPr marL="0" indent="0">
+              <a:buNone/>
+            </a:pPr>
             <a:endParaRPr lang="en-US" dirty="0"/>
           </a:p>
-        </p:txBody>
-      </p:sp>
-      <p:sp>
-        <p:nvSpPr>
-          <p:cNvPr id="3" name="Content Placeholder 2"/>
-          <p:cNvSpPr>
-            <a:spLocks noGrp="1"/>
-          </p:cNvSpPr>
-          <p:nvPr>
-            <p:ph idx="1"/>
-          </p:nvPr>
-        </p:nvSpPr>
-        <p:spPr/>
-        <p:txBody>
-          <a:bodyPr/>
-          <a:lstStyle/>
-          <a:p>
-            <a:pPr marL="0" indent="0">
-              <a:buNone/>
-            </a:pPr>
-            <a:r>
-              <a:rPr lang="en-US" dirty="0" smtClean="0"/>
-              <a:t>An oscillating system – buy and sell occur one after the other (endlessly...)</a:t>
-            </a:r>
-          </a:p>
-          <a:p>
-            <a:pPr marL="0" indent="0">
-              <a:buNone/>
-            </a:pPr>
-            <a:endParaRPr lang="en-US" dirty="0" smtClean="0"/>
-          </a:p>
           <a:p>
             <a:pPr lvl="1"/>
             <a:r>
-              <a:rPr lang="en-US" dirty="0" smtClean="0"/>
+              <a:rPr lang="en-US" dirty="0"/>
               <a:t>This can be due to rounding error or an inadequate treatement of threshold – there is the need of a buffer (which at least should reflect the b/o spread cost)</a:t>
             </a:r>
           </a:p>
           <a:p>
             <a:pPr lvl="1"/>
-            <a:endParaRPr lang="en-US" dirty="0" smtClean="0"/>
+            <a:endParaRPr lang="en-US" dirty="0"/>
           </a:p>
           <a:p>
             <a:pPr lvl="1"/>
             <a:r>
-              <a:rPr lang="en-US" dirty="0" smtClean="0"/>
+              <a:rPr lang="en-US" dirty="0"/>
               <a:t>It also can be due to a system auto-correcting</a:t>
             </a:r>
-            <a:endParaRPr lang="en-US" dirty="0"/>
           </a:p>
         </p:txBody>
       </p:sp>
@@ -7485,13 +7222,6 @@
   <p:clrMapOvr>
     <a:masterClrMapping/>
   </p:clrMapOvr>
-  <p:timing>
-    <p:tnLst>
-      <p:par>
-        <p:cTn id="1" dur="indefinite" restart="never" nodeType="tmRoot"/>
-      </p:par>
-    </p:tnLst>
-  </p:timing>
 </p:sld>
 </file>
 
@@ -7528,60 +7258,58 @@
           <a:lstStyle/>
           <a:p>
             <a:r>
-              <a:rPr lang="en-US" dirty="0" smtClean="0"/>
+              <a:rPr lang="en-US" dirty="0"/>
               <a:t>Steps to protect from abnormal catastrophic behaviors</a:t>
             </a:r>
+          </a:p>
+        </p:txBody>
+      </p:sp>
+      <p:sp>
+        <p:nvSpPr>
+          <p:cNvPr id="3" name="Content Placeholder 2"/>
+          <p:cNvSpPr>
+            <a:spLocks noGrp="1"/>
+          </p:cNvSpPr>
+          <p:nvPr>
+            <p:ph idx="1"/>
+          </p:nvPr>
+        </p:nvSpPr>
+        <p:spPr/>
+        <p:txBody>
+          <a:bodyPr/>
+          <a:lstStyle/>
+          <a:p>
+            <a:r>
+              <a:rPr lang="en-US" dirty="0"/>
+              <a:t>Fixed notional for orders</a:t>
+            </a:r>
+          </a:p>
+          <a:p>
             <a:endParaRPr lang="en-US" dirty="0"/>
           </a:p>
-        </p:txBody>
-      </p:sp>
-      <p:sp>
-        <p:nvSpPr>
-          <p:cNvPr id="3" name="Content Placeholder 2"/>
-          <p:cNvSpPr>
-            <a:spLocks noGrp="1"/>
-          </p:cNvSpPr>
-          <p:nvPr>
-            <p:ph idx="1"/>
-          </p:nvPr>
-        </p:nvSpPr>
-        <p:spPr/>
-        <p:txBody>
-          <a:bodyPr/>
-          <a:lstStyle/>
-          <a:p>
-            <a:r>
-              <a:rPr lang="en-US" dirty="0" smtClean="0"/>
-              <a:t>Fixed notional for orders</a:t>
-            </a:r>
-          </a:p>
-          <a:p>
-            <a:endParaRPr lang="en-US" dirty="0" smtClean="0"/>
-          </a:p>
-          <a:p>
-            <a:r>
-              <a:rPr lang="en-US" dirty="0" smtClean="0"/>
+          <a:p>
+            <a:r>
+              <a:rPr lang="en-US" dirty="0"/>
               <a:t>Fire and Forget</a:t>
             </a:r>
           </a:p>
           <a:p>
-            <a:endParaRPr lang="en-US" dirty="0" smtClean="0"/>
-          </a:p>
-          <a:p>
-            <a:r>
-              <a:rPr lang="en-US" dirty="0" smtClean="0"/>
+            <a:endParaRPr lang="en-US" dirty="0"/>
+          </a:p>
+          <a:p>
+            <a:r>
+              <a:rPr lang="en-US" dirty="0"/>
               <a:t>No auto correction – if there is an issue – stop trading and investigate</a:t>
             </a:r>
           </a:p>
           <a:p>
-            <a:endParaRPr lang="en-US" dirty="0" smtClean="0"/>
-          </a:p>
-          <a:p>
-            <a:r>
-              <a:rPr lang="en-US" dirty="0" smtClean="0"/>
+            <a:endParaRPr lang="en-US" dirty="0"/>
+          </a:p>
+          <a:p>
+            <a:r>
+              <a:rPr lang="en-US" dirty="0"/>
               <a:t>Trading on a clock (not always possible) and not on a price – as all your algos and alphas may end up trading at the same time, pushing the market and concentrating your risk</a:t>
             </a:r>
-            <a:endParaRPr lang="en-US" dirty="0"/>
           </a:p>
         </p:txBody>
       </p:sp>
@@ -7595,13 +7323,6 @@
   <p:clrMapOvr>
     <a:masterClrMapping/>
   </p:clrMapOvr>
-  <p:timing>
-    <p:tnLst>
-      <p:par>
-        <p:cTn id="1" dur="indefinite" restart="never" nodeType="tmRoot"/>
-      </p:par>
-    </p:tnLst>
-  </p:timing>
 </p:sld>
 </file>
 
@@ -7638,10 +7359,9 @@
           <a:lstStyle/>
           <a:p>
             <a:r>
-              <a:rPr lang="en-US" dirty="0" smtClean="0"/>
+              <a:rPr lang="en-US" dirty="0"/>
               <a:t>Execution Engine(s)</a:t>
             </a:r>
-            <a:endParaRPr lang="en-US" dirty="0"/>
           </a:p>
         </p:txBody>
       </p:sp>
@@ -7661,46 +7381,45 @@
           <a:lstStyle/>
           <a:p>
             <a:r>
-              <a:rPr lang="en-US" dirty="0" smtClean="0"/>
+              <a:rPr lang="en-US" dirty="0"/>
               <a:t>It is where the tire hits the road</a:t>
             </a:r>
           </a:p>
           <a:p>
             <a:r>
-              <a:rPr lang="en-US" dirty="0" smtClean="0"/>
+              <a:rPr lang="en-US" dirty="0"/>
               <a:t>Translate the asset in a tradeable instrument</a:t>
             </a:r>
           </a:p>
           <a:p>
             <a:r>
-              <a:rPr lang="en-US" dirty="0" smtClean="0"/>
+              <a:rPr lang="en-US" dirty="0"/>
               <a:t>Choice of a venue</a:t>
             </a:r>
           </a:p>
           <a:p>
             <a:r>
-              <a:rPr lang="en-US" dirty="0" smtClean="0"/>
+              <a:rPr lang="en-US" dirty="0"/>
               <a:t>Always trade markeable limit orders (never a Market Order you would be taken for a expensive ride)</a:t>
             </a:r>
           </a:p>
           <a:p>
             <a:r>
-              <a:rPr lang="en-US" dirty="0" smtClean="0"/>
+              <a:rPr lang="en-US" dirty="0"/>
               <a:t>Choice of an instruments – Mini Futures vs Futures, Futures vs a Swap</a:t>
             </a:r>
           </a:p>
           <a:p>
             <a:r>
-              <a:rPr lang="en-US" dirty="0" smtClean="0"/>
+              <a:rPr lang="en-US" dirty="0"/>
               <a:t>Be aware of market hours and holidays</a:t>
             </a:r>
           </a:p>
           <a:p>
             <a:r>
-              <a:rPr lang="en-US" dirty="0" smtClean="0"/>
+              <a:rPr lang="en-US" dirty="0"/>
               <a:t>Be aware of liquidity – measure current B/O spread for your size and credit and compare it to an history of such observed values</a:t>
             </a:r>
-            <a:endParaRPr lang="en-US" dirty="0"/>
           </a:p>
         </p:txBody>
       </p:sp>
@@ -7714,13 +7433,6 @@
   <p:clrMapOvr>
     <a:masterClrMapping/>
   </p:clrMapOvr>
-  <p:timing>
-    <p:tnLst>
-      <p:par>
-        <p:cTn id="1" dur="indefinite" restart="never" nodeType="tmRoot"/>
-      </p:par>
-    </p:tnLst>
-  </p:timing>
 </p:sld>
 </file>
 
@@ -7758,22 +7470,14 @@
           <a:p>
             <a:r>
               <a:rPr lang="en-US" dirty="0"/>
-              <a:t>Sources </a:t>
-            </a:r>
-            <a:r>
-              <a:rPr lang="en-US" dirty="0" smtClean="0"/>
-              <a:t>of Alpha</a:t>
-            </a:r>
-            <a:r>
-              <a:rPr lang="en-US" dirty="0"/>
-              <a:t> in an </a:t>
+              <a:t>Sources of Alpha in an </a:t>
             </a:r>
             <a:r>
               <a:rPr lang="en-US" i="1" dirty="0"/>
               <a:t>efficient </a:t>
             </a:r>
             <a:r>
-              <a:rPr lang="en-US" dirty="0" smtClean="0"/>
+              <a:rPr lang="en-US" dirty="0"/>
               <a:t>market</a:t>
             </a:r>
             <a:r>
@@ -7826,13 +7530,6 @@
   <p:clrMapOvr>
     <a:masterClrMapping/>
   </p:clrMapOvr>
-  <p:timing>
-    <p:tnLst>
-      <p:par>
-        <p:cTn id="1" dur="indefinite" restart="never" nodeType="tmRoot"/>
-      </p:par>
-    </p:tnLst>
-  </p:timing>
 </p:sld>
 </file>
 
@@ -7869,10 +7566,9 @@
           <a:lstStyle/>
           <a:p>
             <a:r>
-              <a:rPr lang="en-US" dirty="0" smtClean="0"/>
+              <a:rPr lang="en-US" dirty="0"/>
               <a:t>Execution Engine(s)</a:t>
             </a:r>
-            <a:endParaRPr lang="en-US" dirty="0"/>
           </a:p>
         </p:txBody>
       </p:sp>
@@ -7894,64 +7590,64 @@
           <a:lstStyle/>
           <a:p>
             <a:r>
-              <a:rPr lang="en-US" dirty="0" smtClean="0"/>
+              <a:rPr lang="en-US" dirty="0"/>
               <a:t>Place Limit Order </a:t>
             </a:r>
           </a:p>
           <a:p>
             <a:pPr lvl="1"/>
             <a:r>
-              <a:rPr lang="en-US" dirty="0" smtClean="0"/>
+              <a:rPr lang="en-US" dirty="0"/>
               <a:t>Several types – FOK (fill or kill)</a:t>
             </a:r>
           </a:p>
           <a:p>
             <a:pPr lvl="1"/>
             <a:r>
-              <a:rPr lang="en-US" dirty="0" smtClean="0"/>
+              <a:rPr lang="en-US" dirty="0"/>
               <a:t>Limit orders w/ SHORT time to expiry</a:t>
             </a:r>
           </a:p>
           <a:p>
             <a:r>
-              <a:rPr lang="en-US" dirty="0" smtClean="0"/>
+              <a:rPr lang="en-US" dirty="0"/>
               <a:t>Do not stay in the market too long </a:t>
             </a:r>
           </a:p>
           <a:p>
             <a:r>
-              <a:rPr lang="en-US" dirty="0" smtClean="0"/>
+              <a:rPr lang="en-US" dirty="0"/>
               <a:t>You may decross – for instance executing Usd/Cad and Usd/Mxn is cheaper than to execute Cad/Mxn</a:t>
             </a:r>
           </a:p>
           <a:p>
             <a:r>
-              <a:rPr lang="en-US" dirty="0" smtClean="0"/>
+              <a:rPr lang="en-US" dirty="0"/>
               <a:t>You may execute your basket of asset in parts</a:t>
             </a:r>
           </a:p>
           <a:p>
             <a:r>
-              <a:rPr lang="en-US" dirty="0" smtClean="0"/>
+              <a:rPr lang="en-US" dirty="0"/>
               <a:t>Be careful of the dangers of “leg it in”</a:t>
             </a:r>
           </a:p>
           <a:p>
             <a:pPr lvl="1"/>
             <a:r>
-              <a:rPr lang="en-US" dirty="0" smtClean="0"/>
+              <a:rPr lang="en-US" dirty="0"/>
               <a:t>Try to stay locally market neutral</a:t>
             </a:r>
           </a:p>
           <a:p>
             <a:pPr lvl="1"/>
             <a:r>
-              <a:rPr lang="en-US" dirty="0" smtClean="0"/>
+              <a:rPr lang="en-US" dirty="0"/>
               <a:t>Do not do the easy leg first</a:t>
             </a:r>
           </a:p>
           <a:p>
-            <a:endParaRPr lang="en-US" dirty="0" smtClean="0"/>
+            <a:endParaRPr lang="en-US" dirty="0"/>
           </a:p>
           <a:p>
             <a:endParaRPr lang="en-US" dirty="0"/>
@@ -7968,13 +7664,6 @@
   <p:clrMapOvr>
     <a:masterClrMapping/>
   </p:clrMapOvr>
-  <p:timing>
-    <p:tnLst>
-      <p:par>
-        <p:cTn id="1" dur="indefinite" restart="never" nodeType="tmRoot"/>
-      </p:par>
-    </p:tnLst>
-  </p:timing>
 </p:sld>
 </file>
 
@@ -8012,13 +7701,8 @@
           <a:p>
             <a:r>
               <a:rPr lang="en-US" dirty="0"/>
-              <a:t>Execution </a:t>
-            </a:r>
-            <a:r>
-              <a:rPr lang="en-US" dirty="0" smtClean="0"/>
-              <a:t>Engine(s)</a:t>
-            </a:r>
-            <a:endParaRPr lang="en-US" dirty="0"/>
+              <a:t>Execution Engine(s)</a:t>
+            </a:r>
           </a:p>
         </p:txBody>
       </p:sp>
@@ -8038,25 +7722,25 @@
           <a:lstStyle/>
           <a:p>
             <a:r>
-              <a:rPr lang="en-US" dirty="0" smtClean="0"/>
+              <a:rPr lang="en-US" dirty="0"/>
               <a:t>Aggregate Liquidity to get best possible B/O spread</a:t>
             </a:r>
           </a:p>
           <a:p>
             <a:r>
-              <a:rPr lang="en-US" dirty="0" smtClean="0"/>
+              <a:rPr lang="en-US" dirty="0"/>
               <a:t>Place resting orders if market not moving – turn yourself into an opportunistic market maker</a:t>
             </a:r>
           </a:p>
           <a:p>
             <a:r>
-              <a:rPr lang="en-US" dirty="0" smtClean="0"/>
+              <a:rPr lang="en-US" dirty="0"/>
               <a:t>You may be able to trade a proxy – cheaper or available. Think of a Dax position which is not tradeable from 4pm to 2 am while the S&amp;P is moving. What will happen when the Dax re-open 8 hours later. It will be moving about the same as of the S&amp;P</a:t>
             </a:r>
           </a:p>
           <a:p>
             <a:r>
-              <a:rPr lang="en-US" dirty="0" smtClean="0"/>
+              <a:rPr lang="en-US" dirty="0"/>
               <a:t>Maybe you should convert (or hedge) your Dax into an SP (proxy) position during that time period</a:t>
             </a:r>
           </a:p>
@@ -8075,13 +7759,6 @@
   <p:clrMapOvr>
     <a:masterClrMapping/>
   </p:clrMapOvr>
-  <p:timing>
-    <p:tnLst>
-      <p:par>
-        <p:cTn id="1" dur="indefinite" restart="never" nodeType="tmRoot"/>
-      </p:par>
-    </p:tnLst>
-  </p:timing>
 </p:sld>
 </file>
 
@@ -8118,10 +7795,9 @@
           <a:lstStyle/>
           <a:p>
             <a:r>
-              <a:rPr lang="en-US" dirty="0" smtClean="0"/>
+              <a:rPr lang="en-US" dirty="0"/>
               <a:t>Execution Engines</a:t>
             </a:r>
-            <a:endParaRPr lang="en-US" dirty="0"/>
           </a:p>
         </p:txBody>
       </p:sp>
@@ -8144,50 +7820,50 @@
               <a:buNone/>
             </a:pPr>
             <a:r>
-              <a:rPr lang="en-US" dirty="0" smtClean="0"/>
+              <a:rPr lang="en-US" dirty="0"/>
               <a:t>You may have some HF algorithms which monetize market microstructures as you work your (large) order</a:t>
             </a:r>
           </a:p>
           <a:p>
             <a:pPr lvl="1"/>
             <a:r>
-              <a:rPr lang="en-US" dirty="0" smtClean="0"/>
+              <a:rPr lang="en-US" dirty="0"/>
               <a:t>Order book imbalances</a:t>
             </a:r>
           </a:p>
           <a:p>
             <a:pPr lvl="1"/>
             <a:r>
-              <a:rPr lang="en-US" dirty="0" smtClean="0"/>
+              <a:rPr lang="en-US" dirty="0"/>
               <a:t>Decrossing</a:t>
             </a:r>
           </a:p>
           <a:p>
             <a:pPr lvl="1"/>
             <a:r>
-              <a:rPr lang="en-US" dirty="0" smtClean="0"/>
+              <a:rPr lang="en-US" dirty="0"/>
               <a:t>Trading </a:t>
             </a:r>
             <a:r>
-              <a:rPr lang="en-US" i="1" dirty="0" smtClean="0"/>
+              <a:rPr lang="en-US" i="1" dirty="0"/>
               <a:t>cheaper </a:t>
             </a:r>
             <a:r>
-              <a:rPr lang="en-US" dirty="0" smtClean="0"/>
+              <a:rPr lang="en-US" dirty="0"/>
               <a:t> proxy in place of your actual desired instrument</a:t>
             </a:r>
           </a:p>
           <a:p>
             <a:pPr lvl="1"/>
             <a:r>
-              <a:rPr lang="en-US" dirty="0" smtClean="0"/>
+              <a:rPr lang="en-US" dirty="0"/>
               <a:t>Local mean reversion </a:t>
             </a:r>
           </a:p>
           <a:p>
             <a:pPr lvl="1"/>
             <a:r>
-              <a:rPr lang="en-US" dirty="0" smtClean="0"/>
+              <a:rPr lang="en-US" dirty="0"/>
               <a:t>Leading vs lagging assets</a:t>
             </a:r>
           </a:p>
@@ -8207,13 +7883,6 @@
   <p:clrMapOvr>
     <a:masterClrMapping/>
   </p:clrMapOvr>
-  <p:timing>
-    <p:tnLst>
-      <p:par>
-        <p:cTn id="1" dur="indefinite" restart="never" nodeType="tmRoot"/>
-      </p:par>
-    </p:tnLst>
-  </p:timing>
 </p:sld>
 </file>
 
@@ -8250,10 +7919,9 @@
           <a:lstStyle/>
           <a:p>
             <a:r>
-              <a:rPr lang="en-US" dirty="0" smtClean="0"/>
+              <a:rPr lang="en-US" dirty="0"/>
               <a:t>Operational Risk of a System</a:t>
             </a:r>
-            <a:endParaRPr lang="en-US" dirty="0"/>
           </a:p>
         </p:txBody>
       </p:sp>
@@ -8276,10 +7944,9 @@
               <a:buNone/>
             </a:pPr>
             <a:r>
-              <a:rPr lang="en-US" dirty="0" smtClean="0"/>
+              <a:rPr lang="en-US" dirty="0"/>
               <a:t>Fully automated</a:t>
             </a:r>
-            <a:endParaRPr lang="en-US" dirty="0"/>
           </a:p>
         </p:txBody>
       </p:sp>
@@ -8372,10 +8039,9 @@
           <a:lstStyle/>
           <a:p>
             <a:r>
-              <a:rPr lang="en-US" dirty="0" smtClean="0"/>
+              <a:rPr lang="en-US" dirty="0"/>
               <a:t>time</a:t>
             </a:r>
-            <a:endParaRPr lang="en-US" dirty="0"/>
           </a:p>
         </p:txBody>
       </p:sp>
@@ -8402,10 +8068,9 @@
           <a:lstStyle/>
           <a:p>
             <a:r>
-              <a:rPr lang="en-US" dirty="0" smtClean="0"/>
+              <a:rPr lang="en-US" dirty="0"/>
               <a:t>risk</a:t>
             </a:r>
-            <a:endParaRPr lang="en-US" dirty="0"/>
           </a:p>
         </p:txBody>
       </p:sp>
@@ -8432,16 +8097,15 @@
           <a:lstStyle/>
           <a:p>
             <a:r>
-              <a:rPr lang="en-US" sz="1000" dirty="0" smtClean="0"/>
+              <a:rPr lang="en-US" sz="1000" dirty="0"/>
               <a:t>new</a:t>
             </a:r>
           </a:p>
           <a:p>
             <a:r>
-              <a:rPr lang="en-US" sz="1000" dirty="0" smtClean="0"/>
+              <a:rPr lang="en-US" sz="1000" dirty="0"/>
               <a:t>release</a:t>
             </a:r>
-            <a:endParaRPr lang="en-US" sz="1000" dirty="0"/>
           </a:p>
         </p:txBody>
       </p:sp>
@@ -8590,10 +8254,9 @@
           <a:lstStyle/>
           <a:p>
             <a:r>
-              <a:rPr lang="en-US" dirty="0" smtClean="0"/>
+              <a:rPr lang="en-US" dirty="0"/>
               <a:t>Operational Risk of a System</a:t>
             </a:r>
-            <a:endParaRPr lang="en-US" dirty="0"/>
           </a:p>
         </p:txBody>
       </p:sp>
@@ -8616,10 +8279,9 @@
               <a:buNone/>
             </a:pPr>
             <a:r>
-              <a:rPr lang="en-US" dirty="0" smtClean="0"/>
+              <a:rPr lang="en-US" dirty="0"/>
               <a:t>Implemented with a human component </a:t>
             </a:r>
-            <a:endParaRPr lang="en-US" dirty="0"/>
           </a:p>
         </p:txBody>
       </p:sp>
@@ -8712,10 +8374,9 @@
           <a:lstStyle/>
           <a:p>
             <a:r>
-              <a:rPr lang="en-US" dirty="0" smtClean="0"/>
+              <a:rPr lang="en-US" dirty="0"/>
               <a:t>time</a:t>
             </a:r>
-            <a:endParaRPr lang="en-US" dirty="0"/>
           </a:p>
         </p:txBody>
       </p:sp>
@@ -8742,10 +8403,9 @@
           <a:lstStyle/>
           <a:p>
             <a:r>
-              <a:rPr lang="en-US" dirty="0" smtClean="0"/>
+              <a:rPr lang="en-US" dirty="0"/>
               <a:t>risk</a:t>
             </a:r>
-            <a:endParaRPr lang="en-US" dirty="0"/>
           </a:p>
         </p:txBody>
       </p:sp>
@@ -8772,10 +8432,9 @@
           <a:lstStyle/>
           <a:p>
             <a:r>
-              <a:rPr lang="en-US" sz="1000" dirty="0" smtClean="0"/>
+              <a:rPr lang="en-US" sz="1000" dirty="0"/>
               <a:t>launch</a:t>
             </a:r>
-            <a:endParaRPr lang="en-US" sz="1000" dirty="0"/>
           </a:p>
         </p:txBody>
       </p:sp>
@@ -8912,10 +8571,9 @@
           <a:lstStyle/>
           <a:p>
             <a:r>
-              <a:rPr lang="en-US" dirty="0" smtClean="0"/>
+              <a:rPr lang="en-US" dirty="0"/>
               <a:t>Checking on validity of a strategy</a:t>
             </a:r>
-            <a:endParaRPr lang="en-US" dirty="0"/>
           </a:p>
         </p:txBody>
       </p:sp>
@@ -8937,40 +8595,39 @@
           <a:lstStyle/>
           <a:p>
             <a:r>
-              <a:rPr lang="en-US" dirty="0" smtClean="0"/>
+              <a:rPr lang="en-US" dirty="0"/>
               <a:t>Needs to be rooted in a structural trait of the market</a:t>
             </a:r>
           </a:p>
           <a:p>
             <a:r>
-              <a:rPr lang="en-US" dirty="0" smtClean="0"/>
+              <a:rPr lang="en-US" dirty="0"/>
               <a:t>What happens when parameters are slightly modified? Is it a nice dome? Or a jagged profile?</a:t>
             </a:r>
           </a:p>
           <a:p>
             <a:r>
-              <a:rPr lang="en-US" dirty="0" smtClean="0"/>
+              <a:rPr lang="en-US" dirty="0"/>
               <a:t>Did you optimize? You should not</a:t>
             </a:r>
           </a:p>
           <a:p>
             <a:r>
-              <a:rPr lang="en-US" dirty="0" smtClean="0"/>
+              <a:rPr lang="en-US" dirty="0"/>
               <a:t>What happened of you delay your signal by 1, 3, 5 10, 30 minutes – persistence of your alpha</a:t>
             </a:r>
           </a:p>
           <a:p>
             <a:r>
-              <a:rPr lang="en-US" dirty="0" smtClean="0"/>
+              <a:rPr lang="en-US" dirty="0"/>
               <a:t>What happened if you double, triple, .... the B/O Spread that you are using</a:t>
             </a:r>
           </a:p>
           <a:p>
             <a:r>
-              <a:rPr lang="en-US" dirty="0" smtClean="0"/>
+              <a:rPr lang="en-US" dirty="0"/>
               <a:t>Never work w/ mid prices – you are wasting your time and your employer/investors money</a:t>
             </a:r>
-            <a:endParaRPr lang="en-US" dirty="0"/>
           </a:p>
         </p:txBody>
       </p:sp>
@@ -8984,13 +8641,6 @@
   <p:clrMapOvr>
     <a:masterClrMapping/>
   </p:clrMapOvr>
-  <p:timing>
-    <p:tnLst>
-      <p:par>
-        <p:cTn id="1" dur="indefinite" restart="never" nodeType="tmRoot"/>
-      </p:par>
-    </p:tnLst>
-  </p:timing>
 </p:sld>
 </file>
 
@@ -9027,68 +8677,67 @@
           <a:lstStyle/>
           <a:p>
             <a:r>
-              <a:rPr lang="en-US" dirty="0" smtClean="0"/>
+              <a:rPr lang="en-US" dirty="0"/>
               <a:t>Allocation of capital to a set of strategies</a:t>
             </a:r>
+          </a:p>
+        </p:txBody>
+      </p:sp>
+      <p:sp>
+        <p:nvSpPr>
+          <p:cNvPr id="3" name="Content Placeholder 2"/>
+          <p:cNvSpPr>
+            <a:spLocks noGrp="1"/>
+          </p:cNvSpPr>
+          <p:nvPr>
+            <p:ph idx="1"/>
+          </p:nvPr>
+        </p:nvSpPr>
+        <p:spPr/>
+        <p:txBody>
+          <a:bodyPr/>
+          <a:lstStyle/>
+          <a:p>
+            <a:pPr marL="0" indent="0">
+              <a:buNone/>
+            </a:pPr>
+            <a:r>
+              <a:rPr lang="en-US" dirty="0"/>
+              <a:t>A few cautionary comments:</a:t>
+            </a:r>
+          </a:p>
+          <a:p>
+            <a:pPr marL="0" indent="0">
+              <a:buNone/>
+            </a:pPr>
             <a:endParaRPr lang="en-US" dirty="0"/>
           </a:p>
-        </p:txBody>
-      </p:sp>
-      <p:sp>
-        <p:nvSpPr>
-          <p:cNvPr id="3" name="Content Placeholder 2"/>
-          <p:cNvSpPr>
-            <a:spLocks noGrp="1"/>
-          </p:cNvSpPr>
-          <p:nvPr>
-            <p:ph idx="1"/>
-          </p:nvPr>
-        </p:nvSpPr>
-        <p:spPr/>
-        <p:txBody>
-          <a:bodyPr/>
-          <a:lstStyle/>
-          <a:p>
-            <a:pPr marL="0" indent="0">
-              <a:buNone/>
-            </a:pPr>
-            <a:r>
-              <a:rPr lang="en-US" dirty="0" smtClean="0"/>
-              <a:t>A few cautionary comments:</a:t>
-            </a:r>
-          </a:p>
-          <a:p>
-            <a:pPr marL="0" indent="0">
-              <a:buNone/>
-            </a:pPr>
-            <a:endParaRPr lang="en-US" dirty="0" smtClean="0"/>
-          </a:p>
           <a:p>
             <a:pPr lvl="1"/>
             <a:r>
-              <a:rPr lang="en-US" dirty="0" smtClean="0"/>
+              <a:rPr lang="en-US" dirty="0"/>
               <a:t>Strat w/ 2 or 3 stages is a weak strategy – one stage is the optimal neither the preceding nor the following</a:t>
             </a:r>
           </a:p>
           <a:p>
             <a:pPr lvl="1"/>
-            <a:endParaRPr lang="en-US" dirty="0" smtClean="0"/>
+            <a:endParaRPr lang="en-US" dirty="0"/>
           </a:p>
           <a:p>
             <a:pPr lvl="1"/>
             <a:r>
-              <a:rPr lang="en-US" dirty="0" smtClean="0"/>
+              <a:rPr lang="en-US" dirty="0"/>
               <a:t>Equi-allocation for asset of same vol magnitude </a:t>
             </a:r>
           </a:p>
           <a:p>
             <a:pPr lvl="1"/>
-            <a:endParaRPr lang="en-US" dirty="0" smtClean="0"/>
+            <a:endParaRPr lang="en-US" dirty="0"/>
           </a:p>
           <a:p>
             <a:pPr lvl="1"/>
             <a:r>
-              <a:rPr lang="en-US" dirty="0" smtClean="0"/>
+              <a:rPr lang="en-US" dirty="0"/>
               <a:t>Be careful of assets w/ very low vol – is it a “managed” asset such as a pegged ccy?</a:t>
             </a:r>
           </a:p>
@@ -9104,13 +8753,6 @@
   <p:clrMapOvr>
     <a:masterClrMapping/>
   </p:clrMapOvr>
-  <p:timing>
-    <p:tnLst>
-      <p:par>
-        <p:cTn id="1" dur="indefinite" restart="never" nodeType="tmRoot"/>
-      </p:par>
-    </p:tnLst>
-  </p:timing>
 </p:sld>
 </file>
 
@@ -9221,13 +8863,6 @@
   <p:clrMapOvr>
     <a:masterClrMapping/>
   </p:clrMapOvr>
-  <p:timing>
-    <p:tnLst>
-      <p:par>
-        <p:cTn id="1" dur="indefinite" restart="never" nodeType="tmRoot"/>
-      </p:par>
-    </p:tnLst>
-  </p:timing>
 </p:sld>
 </file>
 
@@ -9265,22 +8900,14 @@
           <a:p>
             <a:r>
               <a:rPr lang="en-US" dirty="0"/>
-              <a:t>Sources of </a:t>
-            </a:r>
-            <a:r>
-              <a:rPr lang="en-US" dirty="0" smtClean="0"/>
-              <a:t>Alpha in </a:t>
-            </a:r>
-            <a:r>
-              <a:rPr lang="en-US" dirty="0"/>
-              <a:t>an </a:t>
+              <a:t>Sources of Alpha in an </a:t>
             </a:r>
             <a:r>
               <a:rPr lang="en-US" i="1" dirty="0"/>
               <a:t>efficient </a:t>
             </a:r>
             <a:r>
-              <a:rPr lang="en-US" dirty="0" smtClean="0"/>
+              <a:rPr lang="en-US" dirty="0"/>
               <a:t>market</a:t>
             </a:r>
             <a:r>
@@ -9341,13 +8968,6 @@
   <p:clrMapOvr>
     <a:masterClrMapping/>
   </p:clrMapOvr>
-  <p:timing>
-    <p:tnLst>
-      <p:par>
-        <p:cTn id="1" dur="indefinite" restart="never" nodeType="tmRoot"/>
-      </p:par>
-    </p:tnLst>
-  </p:timing>
 </p:sld>
 </file>
 
@@ -9385,22 +9005,14 @@
           <a:p>
             <a:r>
               <a:rPr lang="en-US" dirty="0"/>
-              <a:t>Sources of </a:t>
-            </a:r>
-            <a:r>
-              <a:rPr lang="en-US" dirty="0" smtClean="0"/>
-              <a:t>Alpha </a:t>
-            </a:r>
-            <a:r>
-              <a:rPr lang="en-US" dirty="0"/>
-              <a:t>in an </a:t>
+              <a:t>Sources of Alpha in an </a:t>
             </a:r>
             <a:r>
               <a:rPr lang="en-US" i="1" dirty="0"/>
               <a:t>efficient </a:t>
             </a:r>
             <a:r>
-              <a:rPr lang="en-US" dirty="0" smtClean="0"/>
+              <a:rPr lang="en-US" dirty="0"/>
               <a:t>market</a:t>
             </a:r>
             <a:r>
@@ -9461,13 +9073,6 @@
   <p:clrMapOvr>
     <a:masterClrMapping/>
   </p:clrMapOvr>
-  <p:timing>
-    <p:tnLst>
-      <p:par>
-        <p:cTn id="1" dur="indefinite" restart="never" nodeType="tmRoot"/>
-      </p:par>
-    </p:tnLst>
-  </p:timing>
 </p:sld>
 </file>
 
@@ -9505,18 +9110,14 @@
           <a:p>
             <a:r>
               <a:rPr lang="en-US" dirty="0"/>
-              <a:t>Sources </a:t>
-            </a:r>
-            <a:r>
-              <a:rPr lang="en-US" dirty="0" smtClean="0"/>
-              <a:t>of Alpha in an </a:t>
-            </a:r>
-            <a:r>
-              <a:rPr lang="en-US" i="1" dirty="0" smtClean="0"/>
+              <a:t>Sources of Alpha in an </a:t>
+            </a:r>
+            <a:r>
+              <a:rPr lang="en-US" i="1" dirty="0"/>
               <a:t>efficient </a:t>
             </a:r>
             <a:r>
-              <a:rPr lang="en-US" dirty="0" smtClean="0"/>
+              <a:rPr lang="en-US" dirty="0"/>
               <a:t>market</a:t>
             </a:r>
             <a:r>
@@ -9563,15 +9164,7 @@
             </a:r>
             <a:r>
               <a:rPr lang="en-US" dirty="0"/>
-              <a:t> To some extent, yes, as reflected by the inability of the hedge fund world to offer better returns than a simple bond and equity portfolio with the same volatility over the past 10 years. Still, while alpha is weaker, I don’t think it is truly </a:t>
-            </a:r>
-            <a:r>
-              <a:rPr lang="en-US" dirty="0" smtClean="0"/>
-              <a:t>dead even </a:t>
-            </a:r>
-            <a:r>
-              <a:rPr lang="en-US" dirty="0"/>
-              <a:t>as it seems harder to earn alpha within asset classes</a:t>
+              <a:t> To some extent, yes, as reflected by the inability of the hedge fund world to offer better returns than a simple bond and equity portfolio with the same volatility over the past 10 years. Still, while alpha is weaker, I don’t think it is truly dead even as it seems harder to earn alpha within asset classes</a:t>
             </a:r>
           </a:p>
         </p:txBody>
@@ -9586,13 +9179,6 @@
   <p:clrMapOvr>
     <a:masterClrMapping/>
   </p:clrMapOvr>
-  <p:timing>
-    <p:tnLst>
-      <p:par>
-        <p:cTn id="1" dur="indefinite" restart="never" nodeType="tmRoot"/>
-      </p:par>
-    </p:tnLst>
-  </p:timing>
 </p:sld>
 </file>
 
@@ -9629,10 +9215,9 @@
           <a:lstStyle/>
           <a:p>
             <a:r>
-              <a:rPr lang="en-US" dirty="0" smtClean="0"/>
+              <a:rPr lang="en-US" dirty="0"/>
               <a:t>A Lasting Alpha</a:t>
             </a:r>
-            <a:endParaRPr lang="en-US" dirty="0"/>
           </a:p>
         </p:txBody>
       </p:sp>
@@ -9655,10 +9240,9 @@
               <a:buNone/>
             </a:pPr>
             <a:r>
-              <a:rPr lang="en-US" dirty="0" smtClean="0"/>
+              <a:rPr lang="en-US" dirty="0"/>
               <a:t>A lasting alpha is obtained when the alpha is anchored/derived from structural market features or difficult to copy/create competitive advantages</a:t>
             </a:r>
-            <a:endParaRPr lang="en-US" dirty="0"/>
           </a:p>
         </p:txBody>
       </p:sp>
@@ -9672,13 +9256,6 @@
   <p:clrMapOvr>
     <a:masterClrMapping/>
   </p:clrMapOvr>
-  <p:timing>
-    <p:tnLst>
-      <p:par>
-        <p:cTn id="1" dur="indefinite" restart="never" nodeType="tmRoot"/>
-      </p:par>
-    </p:tnLst>
-  </p:timing>
 </p:sld>
 </file>
 
@@ -9715,10 +9292,9 @@
           <a:lstStyle/>
           <a:p>
             <a:r>
-              <a:rPr lang="en-US" dirty="0" smtClean="0"/>
+              <a:rPr lang="en-US" dirty="0"/>
               <a:t>Structural Market Features</a:t>
             </a:r>
-            <a:endParaRPr lang="en-US" dirty="0"/>
           </a:p>
         </p:txBody>
       </p:sp>
@@ -9740,7 +9316,7 @@
           <a:lstStyle/>
           <a:p>
             <a:r>
-              <a:rPr lang="en-US" dirty="0" smtClean="0"/>
+              <a:rPr lang="en-US" dirty="0"/>
               <a:t>Central Bank rate policies which can be set to “artificial” levels for long periods of time for marco economic purposes</a:t>
             </a:r>
           </a:p>
@@ -9750,22 +9326,18 @@
             </a:pPr>
             <a:r>
               <a:rPr lang="en-US" dirty="0"/>
-              <a:t>t</a:t>
-            </a:r>
-            <a:r>
-              <a:rPr lang="en-US" dirty="0" smtClean="0"/>
-              <a:t>hink of a Carry Trade</a:t>
-            </a:r>
-          </a:p>
-          <a:p>
-            <a:r>
-              <a:rPr lang="en-US" dirty="0" smtClean="0"/>
+              <a:t>think of a Carry Trade</a:t>
+            </a:r>
+          </a:p>
+          <a:p>
+            <a:r>
+              <a:rPr lang="en-US" dirty="0"/>
               <a:t>Risk premia which can be collected from selling protection to market participants – risk needs to diversified away</a:t>
             </a:r>
           </a:p>
           <a:p>
             <a:r>
-              <a:rPr lang="en-US" dirty="0" smtClean="0"/>
+              <a:rPr lang="en-US" dirty="0"/>
               <a:t>Benefiting of market impact from large transactions or from broad market participation</a:t>
             </a:r>
           </a:p>
@@ -9774,21 +9346,13 @@
               <a:buNone/>
             </a:pPr>
             <a:r>
-              <a:rPr lang="en-US" dirty="0" smtClean="0"/>
-              <a:t>think of M&amp;A’s </a:t>
-            </a:r>
-            <a:r>
-              <a:rPr lang="en-US" dirty="0"/>
-              <a:t>and retail </a:t>
-            </a:r>
-            <a:r>
-              <a:rPr lang="en-US" dirty="0" smtClean="0"/>
-              <a:t>business</a:t>
-            </a:r>
-          </a:p>
-          <a:p>
-            <a:r>
-              <a:rPr lang="en-US" dirty="0" smtClean="0"/>
+              <a:rPr lang="en-US" dirty="0"/>
+              <a:t>think of M&amp;A’s and retail business</a:t>
+            </a:r>
+          </a:p>
+          <a:p>
+            <a:r>
+              <a:rPr lang="en-US" dirty="0"/>
               <a:t>Regulations</a:t>
             </a:r>
           </a:p>
@@ -9796,13 +9360,13 @@
             <a:pPr marL="457200" lvl="1" indent="0">
               <a:buNone/>
             </a:pPr>
-            <a:endParaRPr lang="en-US" dirty="0" smtClean="0"/>
+            <a:endParaRPr lang="en-US" dirty="0"/>
           </a:p>
           <a:p>
             <a:pPr marL="457200" lvl="1" indent="0">
               <a:buNone/>
             </a:pPr>
-            <a:endParaRPr lang="en-US" dirty="0" smtClean="0"/>
+            <a:endParaRPr lang="en-US" dirty="0"/>
           </a:p>
           <a:p>
             <a:endParaRPr lang="en-US" dirty="0"/>
@@ -9819,13 +9383,6 @@
   <p:clrMapOvr>
     <a:masterClrMapping/>
   </p:clrMapOvr>
-  <p:timing>
-    <p:tnLst>
-      <p:par>
-        <p:cTn id="1" dur="indefinite" restart="never" nodeType="tmRoot"/>
-      </p:par>
-    </p:tnLst>
-  </p:timing>
 </p:sld>
 </file>
 
@@ -9862,72 +9419,67 @@
           <a:lstStyle/>
           <a:p>
             <a:r>
-              <a:rPr lang="en-US" dirty="0" smtClean="0"/>
+              <a:rPr lang="en-US" dirty="0"/>
               <a:t>Competitive Advantages</a:t>
             </a:r>
+          </a:p>
+        </p:txBody>
+      </p:sp>
+      <p:sp>
+        <p:nvSpPr>
+          <p:cNvPr id="3" name="Content Placeholder 2"/>
+          <p:cNvSpPr>
+            <a:spLocks noGrp="1"/>
+          </p:cNvSpPr>
+          <p:nvPr>
+            <p:ph idx="1"/>
+          </p:nvPr>
+        </p:nvSpPr>
+        <p:spPr/>
+        <p:txBody>
+          <a:bodyPr/>
+          <a:lstStyle/>
+          <a:p>
+            <a:r>
+              <a:rPr lang="en-US" dirty="0"/>
+              <a:t>IT – very expensive and growing</a:t>
+            </a:r>
+          </a:p>
+          <a:p>
+            <a:pPr marL="0" indent="0">
+              <a:buNone/>
+            </a:pPr>
             <a:endParaRPr lang="en-US" dirty="0"/>
           </a:p>
-        </p:txBody>
-      </p:sp>
-      <p:sp>
-        <p:nvSpPr>
-          <p:cNvPr id="3" name="Content Placeholder 2"/>
-          <p:cNvSpPr>
-            <a:spLocks noGrp="1"/>
-          </p:cNvSpPr>
-          <p:nvPr>
-            <p:ph idx="1"/>
-          </p:nvPr>
-        </p:nvSpPr>
-        <p:spPr/>
-        <p:txBody>
-          <a:bodyPr/>
-          <a:lstStyle/>
-          <a:p>
-            <a:r>
-              <a:rPr lang="en-US" dirty="0" smtClean="0"/>
-              <a:t>IT – very expensive and growing</a:t>
+          <a:p>
+            <a:r>
+              <a:rPr lang="en-US" dirty="0"/>
+              <a:t>Credit – cost of capital and not portable</a:t>
             </a:r>
           </a:p>
           <a:p>
             <a:pPr marL="0" indent="0">
               <a:buNone/>
             </a:pPr>
-            <a:endParaRPr lang="en-US" dirty="0" smtClean="0"/>
-          </a:p>
-          <a:p>
-            <a:r>
-              <a:rPr lang="en-US" dirty="0" smtClean="0"/>
-              <a:t>Credit – cost of capital and not portable</a:t>
-            </a:r>
-          </a:p>
-          <a:p>
-            <a:pPr marL="0" indent="0">
+            <a:endParaRPr lang="en-US" dirty="0"/>
+          </a:p>
+          <a:p>
+            <a:r>
+              <a:rPr lang="en-US" dirty="0"/>
+              <a:t>Information</a:t>
+            </a:r>
+          </a:p>
+          <a:p>
+            <a:pPr marL="457200" lvl="1" indent="0">
               <a:buNone/>
             </a:pPr>
-            <a:endParaRPr lang="en-US" dirty="0" smtClean="0"/>
-          </a:p>
-          <a:p>
-            <a:r>
-              <a:rPr lang="en-US" dirty="0" smtClean="0"/>
-              <a:t>Information</a:t>
-            </a:r>
-          </a:p>
-          <a:p>
-            <a:pPr marL="457200" lvl="1" indent="0">
-              <a:buNone/>
-            </a:pPr>
             <a:r>
               <a:rPr lang="en-US" sz="2800" dirty="0"/>
-              <a:t>e</a:t>
-            </a:r>
-            <a:r>
-              <a:rPr lang="en-US" sz="2800" dirty="0" smtClean="0"/>
-              <a:t>ither legal as a Market Maker or illegal as Insider Information</a:t>
-            </a:r>
-          </a:p>
-          <a:p>
-            <a:endParaRPr lang="en-US" dirty="0" smtClean="0"/>
+              <a:t>either legal as a Market Maker or illegal as Insider Information</a:t>
+            </a:r>
+          </a:p>
+          <a:p>
+            <a:endParaRPr lang="en-US" dirty="0"/>
           </a:p>
         </p:txBody>
       </p:sp>
@@ -9941,13 +9493,6 @@
   <p:clrMapOvr>
     <a:masterClrMapping/>
   </p:clrMapOvr>
-  <p:timing>
-    <p:tnLst>
-      <p:par>
-        <p:cTn id="1" dur="indefinite" restart="never" nodeType="tmRoot"/>
-      </p:par>
-    </p:tnLst>
-  </p:timing>
 </p:sld>
 </file>
 
